--- a/Report.pptx
+++ b/Report.pptx
@@ -6,7 +6,6 @@
   </p:sldMasterIdLst>
   <p:sldIdLst>
     <p:sldId id="322" r:id="rId2"/>
-    <p:sldId id="323" r:id="rId3"/>
   </p:sldIdLst>
   <p:sldSz cx="7559675" cy="10691813"/>
   <p:notesSz cx="6858000" cy="9144000"/>
@@ -105,6 +104,11 @@
       </a:defRPr>
     </a:lvl9pPr>
   </p:defaultTextStyle>
+  <p:extLst>
+    <p:ext uri="{EFAFB233-063F-42B5-8137-9DF3F51BA10A}">
+      <p15:sldGuideLst xmlns:p15="http://schemas.microsoft.com/office/powerpoint/2012/main"/>
+    </p:ext>
+  </p:extLst>
 </p:presentation>
 </file>
 
@@ -3249,12 +3253,46 @@
               <a:buNone/>
               <a:defRPr/>
             </a:pPr>
-            <a:endParaRPr lang="en-US" altLang="zh-CN" sz="1600" b="1" dirty="0">
+            <a:r>
+              <a:rPr lang="en-US" altLang="zh-CN" sz="1400" b="1" dirty="0">
+                <a:solidFill>
+                  <a:srgbClr val="001830"/>
+                </a:solidFill>
+                <a:latin typeface="DIN" pitchFamily="50" charset="0"/>
+                <a:ea typeface="思源黑体 Light"/>
+                <a:cs typeface="Calibri" panose="020F0502020204030204" pitchFamily="34" charset="0"/>
+              </a:rPr>
+              <a:t>Name</a:t>
+            </a:r>
+            <a:r>
+              <a:rPr lang="en-US" altLang="zh-CN" sz="1400" dirty="0">
+                <a:solidFill>
+                  <a:srgbClr val="001830"/>
+                </a:solidFill>
+                <a:latin typeface="DIN" pitchFamily="50" charset="0"/>
+                <a:ea typeface="思源黑体 Light"/>
+                <a:cs typeface="Calibri" panose="020F0502020204030204" pitchFamily="34" charset="0"/>
+              </a:rPr>
+              <a:t>: Jingyi Wang </a:t>
+            </a:r>
+            <a:r>
+              <a:rPr lang="zh-CN" altLang="en-US" sz="1400" dirty="0">
+                <a:solidFill>
+                  <a:srgbClr val="001830"/>
+                </a:solidFill>
+                <a:latin typeface="DIN" pitchFamily="50" charset="0"/>
+                <a:ea typeface="思源黑体 Light"/>
+                <a:cs typeface="Calibri" panose="020F0502020204030204" pitchFamily="34" charset="0"/>
+              </a:rPr>
+              <a:t>王景祎</a:t>
+            </a:r>
+            <a:endParaRPr lang="en-US" altLang="zh-CN" sz="1400" dirty="0">
               <a:solidFill>
                 <a:srgbClr val="001830"/>
               </a:solidFill>
               <a:latin typeface="DIN" pitchFamily="50" charset="0"/>
               <a:ea typeface="思源黑体 Light"/>
+              <a:cs typeface="Calibri" panose="020F0502020204030204" pitchFamily="34" charset="0"/>
             </a:endParaRPr>
           </a:p>
           <a:p>
@@ -3263,7 +3301,7 @@
               <a:defRPr/>
             </a:pPr>
             <a:r>
-              <a:rPr lang="en-US" altLang="zh-CN" sz="1400" dirty="0">
+              <a:rPr lang="en-US" altLang="zh-CN" sz="1400" b="1" dirty="0">
                 <a:solidFill>
                   <a:srgbClr val="001830"/>
                 </a:solidFill>
@@ -3271,14 +3309,8 @@
                 <a:ea typeface="思源黑体 Light"/>
                 <a:cs typeface="Calibri" panose="020F0502020204030204" pitchFamily="34" charset="0"/>
               </a:rPr>
-              <a:t>Name: Jingyi Wang</a:t>
-            </a:r>
-          </a:p>
-          <a:p>
-            <a:pPr marL="0" indent="0" defTabSz="555138">
-              <a:buNone/>
-              <a:defRPr/>
-            </a:pPr>
+              <a:t>Student ID</a:t>
+            </a:r>
             <a:r>
               <a:rPr lang="en-US" altLang="zh-CN" sz="1400" dirty="0">
                 <a:solidFill>
@@ -3288,7 +3320,7 @@
                 <a:ea typeface="思源黑体 Light"/>
                 <a:cs typeface="Calibri" panose="020F0502020204030204" pitchFamily="34" charset="0"/>
               </a:rPr>
-              <a:t>Student ID:</a:t>
+              <a:t>:</a:t>
             </a:r>
             <a:r>
               <a:rPr lang="zh-CN" altLang="en-US" sz="1400" dirty="0">
@@ -3319,7 +3351,7 @@
               <a:defRPr/>
             </a:pPr>
             <a:r>
-              <a:rPr lang="en-US" altLang="zh-CN" sz="1400" dirty="0" err="1">
+              <a:rPr lang="en-US" altLang="zh-CN" sz="1400" b="1" dirty="0">
                 <a:solidFill>
                   <a:srgbClr val="001830"/>
                 </a:solidFill>
@@ -3347,7 +3379,7 @@
               <a:defRPr/>
             </a:pPr>
             <a:r>
-              <a:rPr lang="en-US" altLang="zh-CN" sz="1400" dirty="0">
+              <a:rPr lang="en-US" altLang="zh-CN" sz="1400" b="1" dirty="0">
                 <a:solidFill>
                   <a:srgbClr val="001830"/>
                 </a:solidFill>
@@ -3355,7 +3387,186 @@
                 <a:ea typeface="思源黑体 Light"/>
                 <a:cs typeface="Calibri" panose="020F0502020204030204" pitchFamily="34" charset="0"/>
               </a:rPr>
-              <a:t>E-mail: Jingyi.Wang1903@student.xjtlu.edu.cn</a:t>
+              <a:t>E-mail</a:t>
+            </a:r>
+            <a:r>
+              <a:rPr lang="en-US" altLang="zh-CN" sz="1400" dirty="0">
+                <a:solidFill>
+                  <a:srgbClr val="001830"/>
+                </a:solidFill>
+                <a:latin typeface="DIN" pitchFamily="50" charset="0"/>
+                <a:ea typeface="思源黑体 Light"/>
+                <a:cs typeface="Calibri" panose="020F0502020204030204" pitchFamily="34" charset="0"/>
+              </a:rPr>
+              <a:t>: </a:t>
+            </a:r>
+            <a:r>
+              <a:rPr lang="en-US" altLang="zh-CN" sz="1400" dirty="0">
+                <a:solidFill>
+                  <a:srgbClr val="001830"/>
+                </a:solidFill>
+                <a:latin typeface="DIN" pitchFamily="50" charset="0"/>
+                <a:ea typeface="思源黑体 Light"/>
+                <a:cs typeface="Calibri" panose="020F0502020204030204" pitchFamily="34" charset="0"/>
+                <a:hlinkClick r:id="rId2"/>
+              </a:rPr>
+              <a:t>Jingyi.Wang1903@student.xjtlu.edu.cn</a:t>
+            </a:r>
+            <a:endParaRPr lang="en-US" altLang="zh-CN" sz="1400" dirty="0">
+              <a:solidFill>
+                <a:srgbClr val="001830"/>
+              </a:solidFill>
+              <a:latin typeface="DIN" pitchFamily="50" charset="0"/>
+              <a:ea typeface="思源黑体 Light"/>
+              <a:cs typeface="Calibri" panose="020F0502020204030204" pitchFamily="34" charset="0"/>
+            </a:endParaRPr>
+          </a:p>
+          <a:p>
+            <a:pPr marL="0" indent="0" defTabSz="555138">
+              <a:buNone/>
+              <a:defRPr/>
+            </a:pPr>
+            <a:r>
+              <a:rPr lang="en-US" altLang="zh-CN" sz="1400" b="1" dirty="0">
+                <a:solidFill>
+                  <a:srgbClr val="001830"/>
+                </a:solidFill>
+                <a:latin typeface="DIN" pitchFamily="50" charset="0"/>
+                <a:ea typeface="思源黑体 Light"/>
+                <a:cs typeface="Calibri" panose="020F0502020204030204" pitchFamily="34" charset="0"/>
+              </a:rPr>
+              <a:t>Date</a:t>
+            </a:r>
+            <a:r>
+              <a:rPr lang="en-US" altLang="zh-CN" sz="1400" dirty="0">
+                <a:solidFill>
+                  <a:srgbClr val="001830"/>
+                </a:solidFill>
+                <a:latin typeface="DIN" pitchFamily="50" charset="0"/>
+                <a:ea typeface="思源黑体 Light"/>
+                <a:cs typeface="Calibri" panose="020F0502020204030204" pitchFamily="34" charset="0"/>
+              </a:rPr>
+              <a:t>: Nov. 7</a:t>
+            </a:r>
+            <a:r>
+              <a:rPr lang="en-US" altLang="zh-CN" sz="1400" baseline="30000" dirty="0">
+                <a:solidFill>
+                  <a:srgbClr val="001830"/>
+                </a:solidFill>
+                <a:latin typeface="DIN" pitchFamily="50" charset="0"/>
+                <a:ea typeface="思源黑体 Light"/>
+                <a:cs typeface="Calibri" panose="020F0502020204030204" pitchFamily="34" charset="0"/>
+              </a:rPr>
+              <a:t>th</a:t>
+            </a:r>
+            <a:r>
+              <a:rPr lang="en-US" altLang="zh-CN" sz="1400" dirty="0">
+                <a:solidFill>
+                  <a:srgbClr val="001830"/>
+                </a:solidFill>
+                <a:latin typeface="DIN" pitchFamily="50" charset="0"/>
+                <a:ea typeface="思源黑体 Light"/>
+                <a:cs typeface="Calibri" panose="020F0502020204030204" pitchFamily="34" charset="0"/>
+              </a:rPr>
+              <a:t>, 2021</a:t>
+            </a:r>
+          </a:p>
+          <a:p>
+            <a:pPr marL="0" indent="0" defTabSz="555138">
+              <a:buNone/>
+              <a:defRPr/>
+            </a:pPr>
+            <a:endParaRPr lang="en-US" altLang="zh-CN" sz="1400" dirty="0">
+              <a:solidFill>
+                <a:srgbClr val="001830"/>
+              </a:solidFill>
+              <a:latin typeface="DIN" pitchFamily="50" charset="0"/>
+              <a:ea typeface="思源黑体 Light"/>
+              <a:cs typeface="Calibri" panose="020F0502020204030204" pitchFamily="34" charset="0"/>
+            </a:endParaRPr>
+          </a:p>
+          <a:p>
+            <a:pPr marL="0" indent="0" defTabSz="555138">
+              <a:buNone/>
+              <a:defRPr/>
+            </a:pPr>
+            <a:r>
+              <a:rPr lang="en-US" altLang="zh-CN" sz="1400" b="1" dirty="0">
+                <a:solidFill>
+                  <a:srgbClr val="001830"/>
+                </a:solidFill>
+                <a:latin typeface="DIN" pitchFamily="50" charset="0"/>
+                <a:ea typeface="思源黑体 Light"/>
+                <a:cs typeface="Calibri" panose="020F0502020204030204" pitchFamily="34" charset="0"/>
+              </a:rPr>
+              <a:t>Usage</a:t>
+            </a:r>
+            <a:r>
+              <a:rPr lang="en-US" altLang="zh-CN" sz="1400" dirty="0">
+                <a:solidFill>
+                  <a:srgbClr val="001830"/>
+                </a:solidFill>
+                <a:latin typeface="DIN" pitchFamily="50" charset="0"/>
+                <a:ea typeface="思源黑体 Light"/>
+                <a:cs typeface="Calibri" panose="020F0502020204030204" pitchFamily="34" charset="0"/>
+              </a:rPr>
+              <a:t>:</a:t>
+            </a:r>
+          </a:p>
+          <a:p>
+            <a:pPr marL="0" indent="0" defTabSz="555138">
+              <a:buNone/>
+              <a:defRPr/>
+            </a:pPr>
+            <a:r>
+              <a:rPr lang="en-US" altLang="zh-CN" sz="1200" dirty="0">
+                <a:solidFill>
+                  <a:srgbClr val="001830"/>
+                </a:solidFill>
+                <a:latin typeface="DIN" pitchFamily="50" charset="0"/>
+                <a:ea typeface="思源黑体 Light"/>
+                <a:cs typeface="Calibri" panose="020F0502020204030204" pitchFamily="34" charset="0"/>
+              </a:rPr>
+              <a:t>Run the executable file and watch the animation.</a:t>
+            </a:r>
+          </a:p>
+          <a:p>
+            <a:pPr marL="0" indent="0" defTabSz="555138">
+              <a:buNone/>
+              <a:defRPr/>
+            </a:pPr>
+            <a:r>
+              <a:rPr lang="en-US" altLang="zh-CN" sz="1200" dirty="0">
+                <a:solidFill>
+                  <a:srgbClr val="001830"/>
+                </a:solidFill>
+                <a:latin typeface="DIN" pitchFamily="50" charset="0"/>
+                <a:ea typeface="思源黑体 Light"/>
+                <a:cs typeface="Calibri" panose="020F0502020204030204" pitchFamily="34" charset="0"/>
+              </a:rPr>
+              <a:t>The only interaction is </a:t>
+            </a:r>
+            <a:r>
+              <a:rPr lang="en-US" altLang="zh-CN" sz="1200" b="1" dirty="0">
+                <a:solidFill>
+                  <a:srgbClr val="001830"/>
+                </a:solidFill>
+                <a:latin typeface="DIN" pitchFamily="50" charset="0"/>
+                <a:ea typeface="思源黑体 Light"/>
+                <a:cs typeface="Calibri" panose="020F0502020204030204" pitchFamily="34" charset="0"/>
+              </a:rPr>
+              <a:t>clicking</a:t>
+            </a:r>
+            <a:r>
+              <a:rPr lang="en-US" altLang="zh-CN" sz="1200" dirty="0">
+                <a:solidFill>
+                  <a:srgbClr val="001830"/>
+                </a:solidFill>
+                <a:latin typeface="DIN" pitchFamily="50" charset="0"/>
+                <a:ea typeface="思源黑体 Light"/>
+                <a:cs typeface="Calibri" panose="020F0502020204030204" pitchFamily="34" charset="0"/>
+              </a:rPr>
+              <a:t> on the screen.</a:t>
             </a:r>
           </a:p>
         </p:txBody>
@@ -3375,7 +3586,7 @@
           <p:nvPr/>
         </p:nvPicPr>
         <p:blipFill>
-          <a:blip r:embed="rId2">
+          <a:blip r:embed="rId3">
             <a:extLst>
               <a:ext uri="{28A0092B-C50C-407E-A947-70E740481C1C}">
                 <a14:useLocalDpi xmlns:a14="http://schemas.microsoft.com/office/drawing/2010/main" val="0"/>
@@ -3627,7 +3838,7 @@
           <p:nvPr/>
         </p:nvPicPr>
         <p:blipFill>
-          <a:blip r:embed="rId3">
+          <a:blip r:embed="rId4">
             <a:extLst>
               <a:ext uri="{28A0092B-C50C-407E-A947-70E740481C1C}">
                 <a14:useLocalDpi xmlns:a14="http://schemas.microsoft.com/office/drawing/2010/main" val="0"/>
@@ -3652,2221 +3863,6 @@
     <p:extLst>
       <p:ext uri="{BB962C8B-B14F-4D97-AF65-F5344CB8AC3E}">
         <p14:creationId xmlns:p14="http://schemas.microsoft.com/office/powerpoint/2010/main" val="1860587211"/>
-      </p:ext>
-    </p:extLst>
-  </p:cSld>
-  <p:clrMapOvr>
-    <a:masterClrMapping/>
-  </p:clrMapOvr>
-</p:sld>
-</file>
-
-<file path=ppt/slides/slide2.xml><?xml version="1.0" encoding="utf-8"?>
-<p:sld xmlns:a="http://schemas.openxmlformats.org/drawingml/2006/main" xmlns:r="http://schemas.openxmlformats.org/officeDocument/2006/relationships" xmlns:p="http://schemas.openxmlformats.org/presentationml/2006/main">
-  <p:cSld>
-    <p:spTree>
-      <p:nvGrpSpPr>
-        <p:cNvPr id="1" name=""/>
-        <p:cNvGrpSpPr/>
-        <p:nvPr/>
-      </p:nvGrpSpPr>
-      <p:grpSpPr>
-        <a:xfrm>
-          <a:off x="0" y="0"/>
-          <a:ext cx="0" cy="0"/>
-          <a:chOff x="0" y="0"/>
-          <a:chExt cx="0" cy="0"/>
-        </a:xfrm>
-      </p:grpSpPr>
-      <p:sp>
-        <p:nvSpPr>
-          <p:cNvPr id="4" name="文本框 3">
-            <a:extLst>
-              <a:ext uri="{FF2B5EF4-FFF2-40B4-BE49-F238E27FC236}">
-                <a16:creationId xmlns:a16="http://schemas.microsoft.com/office/drawing/2014/main" id="{07065978-4E9F-45AA-B3CE-9337EBA3D806}"/>
-              </a:ext>
-            </a:extLst>
-          </p:cNvPr>
-          <p:cNvSpPr txBox="1"/>
-          <p:nvPr/>
-        </p:nvSpPr>
-        <p:spPr>
-          <a:xfrm>
-            <a:off x="4817267" y="9739835"/>
-            <a:ext cx="5208534" cy="3785652"/>
-          </a:xfrm>
-          <a:prstGeom prst="rect">
-            <a:avLst/>
-          </a:prstGeom>
-          <a:solidFill>
-            <a:schemeClr val="bg1">
-              <a:lumMod val="95000"/>
-            </a:schemeClr>
-          </a:solidFill>
-        </p:spPr>
-        <p:txBody>
-          <a:bodyPr wrap="square">
-            <a:spAutoFit/>
-          </a:bodyPr>
-          <a:lstStyle/>
-          <a:p>
-            <a:r>
-              <a:rPr lang="en-GB" altLang="zh-CN" sz="1000" dirty="0">
-                <a:solidFill>
-                  <a:srgbClr val="0000FF"/>
-                </a:solidFill>
-                <a:latin typeface="JetBrains Mono" panose="02000009000000000000" pitchFamily="49" charset="0"/>
-                <a:ea typeface="新宋体" panose="02010609030101010101" pitchFamily="49" charset="-122"/>
-                <a:cs typeface="JetBrains Mono" panose="02000009000000000000" pitchFamily="49" charset="0"/>
-              </a:rPr>
-              <a:t>class</a:t>
-            </a:r>
-            <a:r>
-              <a:rPr lang="en-GB" altLang="zh-CN" sz="1000" dirty="0">
-                <a:solidFill>
-                  <a:srgbClr val="000000"/>
-                </a:solidFill>
-                <a:latin typeface="JetBrains Mono" panose="02000009000000000000" pitchFamily="49" charset="0"/>
-                <a:ea typeface="新宋体" panose="02010609030101010101" pitchFamily="49" charset="-122"/>
-                <a:cs typeface="JetBrains Mono" panose="02000009000000000000" pitchFamily="49" charset="0"/>
-              </a:rPr>
-              <a:t> </a:t>
-            </a:r>
-            <a:r>
-              <a:rPr lang="en-GB" altLang="zh-CN" sz="1000" dirty="0">
-                <a:solidFill>
-                  <a:srgbClr val="2B91AF"/>
-                </a:solidFill>
-                <a:latin typeface="JetBrains Mono" panose="02000009000000000000" pitchFamily="49" charset="0"/>
-                <a:ea typeface="新宋体" panose="02010609030101010101" pitchFamily="49" charset="-122"/>
-                <a:cs typeface="JetBrains Mono" panose="02000009000000000000" pitchFamily="49" charset="0"/>
-              </a:rPr>
-              <a:t>Ball</a:t>
-            </a:r>
-            <a:r>
-              <a:rPr lang="en-GB" altLang="zh-CN" sz="1000" dirty="0">
-                <a:solidFill>
-                  <a:srgbClr val="000000"/>
-                </a:solidFill>
-                <a:latin typeface="JetBrains Mono" panose="02000009000000000000" pitchFamily="49" charset="0"/>
-                <a:ea typeface="新宋体" panose="02010609030101010101" pitchFamily="49" charset="-122"/>
-                <a:cs typeface="JetBrains Mono" panose="02000009000000000000" pitchFamily="49" charset="0"/>
-              </a:rPr>
-              <a:t> {</a:t>
-            </a:r>
-          </a:p>
-          <a:p>
-            <a:r>
-              <a:rPr lang="en-GB" altLang="zh-CN" sz="1000" dirty="0">
-                <a:solidFill>
-                  <a:srgbClr val="0000FF"/>
-                </a:solidFill>
-                <a:latin typeface="JetBrains Mono" panose="02000009000000000000" pitchFamily="49" charset="0"/>
-                <a:ea typeface="新宋体" panose="02010609030101010101" pitchFamily="49" charset="-122"/>
-                <a:cs typeface="JetBrains Mono" panose="02000009000000000000" pitchFamily="49" charset="0"/>
-              </a:rPr>
-              <a:t>public</a:t>
-            </a:r>
-            <a:r>
-              <a:rPr lang="en-GB" altLang="zh-CN" sz="1000" dirty="0">
-                <a:solidFill>
-                  <a:srgbClr val="000000"/>
-                </a:solidFill>
-                <a:latin typeface="JetBrains Mono" panose="02000009000000000000" pitchFamily="49" charset="0"/>
-                <a:ea typeface="新宋体" panose="02010609030101010101" pitchFamily="49" charset="-122"/>
-                <a:cs typeface="JetBrains Mono" panose="02000009000000000000" pitchFamily="49" charset="0"/>
-              </a:rPr>
-              <a:t>:</a:t>
-            </a:r>
-          </a:p>
-          <a:p>
-            <a:r>
-              <a:rPr lang="en-US" altLang="zh-CN" sz="1000" dirty="0">
-                <a:solidFill>
-                  <a:srgbClr val="0000FF"/>
-                </a:solidFill>
-                <a:latin typeface="JetBrains Mono" panose="02000009000000000000" pitchFamily="49" charset="0"/>
-                <a:ea typeface="新宋体" panose="02010609030101010101" pitchFamily="49" charset="-122"/>
-                <a:cs typeface="JetBrains Mono" panose="02000009000000000000" pitchFamily="49" charset="0"/>
-              </a:rPr>
-              <a:t>float</a:t>
-            </a:r>
-            <a:r>
-              <a:rPr lang="en-US" altLang="zh-CN" sz="1000" dirty="0">
-                <a:solidFill>
-                  <a:srgbClr val="000000"/>
-                </a:solidFill>
-                <a:latin typeface="JetBrains Mono" panose="02000009000000000000" pitchFamily="49" charset="0"/>
-                <a:ea typeface="新宋体" panose="02010609030101010101" pitchFamily="49" charset="-122"/>
-                <a:cs typeface="JetBrains Mono" panose="02000009000000000000" pitchFamily="49" charset="0"/>
-              </a:rPr>
-              <a:t> cx = 0, cy = 0;	</a:t>
-            </a:r>
-            <a:r>
-              <a:rPr lang="en-US" altLang="zh-CN" sz="1000" dirty="0">
-                <a:solidFill>
-                  <a:srgbClr val="008000"/>
-                </a:solidFill>
-                <a:latin typeface="JetBrains Mono" panose="02000009000000000000" pitchFamily="49" charset="0"/>
-                <a:ea typeface="新宋体" panose="02010609030101010101" pitchFamily="49" charset="-122"/>
-                <a:cs typeface="JetBrains Mono" panose="02000009000000000000" pitchFamily="49" charset="0"/>
-              </a:rPr>
-              <a:t>// Coordinate of center</a:t>
-            </a:r>
-            <a:endParaRPr lang="en-US" altLang="zh-CN" sz="1000" dirty="0">
-              <a:solidFill>
-                <a:srgbClr val="000000"/>
-              </a:solidFill>
-              <a:latin typeface="JetBrains Mono" panose="02000009000000000000" pitchFamily="49" charset="0"/>
-              <a:ea typeface="新宋体" panose="02010609030101010101" pitchFamily="49" charset="-122"/>
-              <a:cs typeface="JetBrains Mono" panose="02000009000000000000" pitchFamily="49" charset="0"/>
-            </a:endParaRPr>
-          </a:p>
-          <a:p>
-            <a:r>
-              <a:rPr lang="en-GB" altLang="zh-CN" sz="1000" dirty="0">
-                <a:solidFill>
-                  <a:srgbClr val="0000FF"/>
-                </a:solidFill>
-                <a:latin typeface="JetBrains Mono" panose="02000009000000000000" pitchFamily="49" charset="0"/>
-                <a:ea typeface="新宋体" panose="02010609030101010101" pitchFamily="49" charset="-122"/>
-                <a:cs typeface="JetBrains Mono" panose="02000009000000000000" pitchFamily="49" charset="0"/>
-              </a:rPr>
-              <a:t>float</a:t>
-            </a:r>
-            <a:r>
-              <a:rPr lang="en-GB" altLang="zh-CN" sz="1000" dirty="0">
-                <a:solidFill>
-                  <a:srgbClr val="000000"/>
-                </a:solidFill>
-                <a:latin typeface="JetBrains Mono" panose="02000009000000000000" pitchFamily="49" charset="0"/>
-                <a:ea typeface="新宋体" panose="02010609030101010101" pitchFamily="49" charset="-122"/>
-                <a:cs typeface="JetBrains Mono" panose="02000009000000000000" pitchFamily="49" charset="0"/>
-              </a:rPr>
-              <a:t> radius = 4.5;		</a:t>
-            </a:r>
-            <a:r>
-              <a:rPr lang="en-GB" altLang="zh-CN" sz="1000" dirty="0">
-                <a:solidFill>
-                  <a:srgbClr val="008000"/>
-                </a:solidFill>
-                <a:latin typeface="JetBrains Mono" panose="02000009000000000000" pitchFamily="49" charset="0"/>
-                <a:ea typeface="新宋体" panose="02010609030101010101" pitchFamily="49" charset="-122"/>
-                <a:cs typeface="JetBrains Mono" panose="02000009000000000000" pitchFamily="49" charset="0"/>
-              </a:rPr>
-              <a:t>// Radius</a:t>
-            </a:r>
-            <a:endParaRPr lang="en-GB" altLang="zh-CN" sz="1000" dirty="0">
-              <a:solidFill>
-                <a:srgbClr val="000000"/>
-              </a:solidFill>
-              <a:latin typeface="JetBrains Mono" panose="02000009000000000000" pitchFamily="49" charset="0"/>
-              <a:ea typeface="新宋体" panose="02010609030101010101" pitchFamily="49" charset="-122"/>
-              <a:cs typeface="JetBrains Mono" panose="02000009000000000000" pitchFamily="49" charset="0"/>
-            </a:endParaRPr>
-          </a:p>
-          <a:p>
-            <a:r>
-              <a:rPr lang="en-US" altLang="zh-CN" sz="1000" dirty="0">
-                <a:solidFill>
-                  <a:srgbClr val="0000FF"/>
-                </a:solidFill>
-                <a:latin typeface="JetBrains Mono" panose="02000009000000000000" pitchFamily="49" charset="0"/>
-                <a:ea typeface="新宋体" panose="02010609030101010101" pitchFamily="49" charset="-122"/>
-                <a:cs typeface="JetBrains Mono" panose="02000009000000000000" pitchFamily="49" charset="0"/>
-              </a:rPr>
-              <a:t>float</a:t>
-            </a:r>
-            <a:r>
-              <a:rPr lang="en-US" altLang="zh-CN" sz="1000" dirty="0">
-                <a:solidFill>
-                  <a:srgbClr val="000000"/>
-                </a:solidFill>
-                <a:latin typeface="JetBrains Mono" panose="02000009000000000000" pitchFamily="49" charset="0"/>
-                <a:ea typeface="新宋体" panose="02010609030101010101" pitchFamily="49" charset="-122"/>
-                <a:cs typeface="JetBrains Mono" panose="02000009000000000000" pitchFamily="49" charset="0"/>
-              </a:rPr>
-              <a:t> </a:t>
-            </a:r>
-            <a:r>
-              <a:rPr lang="en-US" altLang="zh-CN" sz="1000" dirty="0" err="1">
-                <a:solidFill>
-                  <a:srgbClr val="000000"/>
-                </a:solidFill>
-                <a:latin typeface="JetBrains Mono" panose="02000009000000000000" pitchFamily="49" charset="0"/>
-                <a:ea typeface="新宋体" panose="02010609030101010101" pitchFamily="49" charset="-122"/>
-                <a:cs typeface="JetBrains Mono" panose="02000009000000000000" pitchFamily="49" charset="0"/>
-              </a:rPr>
-              <a:t>vx</a:t>
-            </a:r>
-            <a:r>
-              <a:rPr lang="en-US" altLang="zh-CN" sz="1000" dirty="0">
-                <a:solidFill>
-                  <a:srgbClr val="000000"/>
-                </a:solidFill>
-                <a:latin typeface="JetBrains Mono" panose="02000009000000000000" pitchFamily="49" charset="0"/>
-                <a:ea typeface="新宋体" panose="02010609030101010101" pitchFamily="49" charset="-122"/>
-                <a:cs typeface="JetBrains Mono" panose="02000009000000000000" pitchFamily="49" charset="0"/>
-              </a:rPr>
-              <a:t> = 0, </a:t>
-            </a:r>
-            <a:r>
-              <a:rPr lang="en-US" altLang="zh-CN" sz="1000" dirty="0" err="1">
-                <a:solidFill>
-                  <a:srgbClr val="000000"/>
-                </a:solidFill>
-                <a:latin typeface="JetBrains Mono" panose="02000009000000000000" pitchFamily="49" charset="0"/>
-                <a:ea typeface="新宋体" panose="02010609030101010101" pitchFamily="49" charset="-122"/>
-                <a:cs typeface="JetBrains Mono" panose="02000009000000000000" pitchFamily="49" charset="0"/>
-              </a:rPr>
-              <a:t>vy</a:t>
-            </a:r>
-            <a:r>
-              <a:rPr lang="en-US" altLang="zh-CN" sz="1000" dirty="0">
-                <a:solidFill>
-                  <a:srgbClr val="000000"/>
-                </a:solidFill>
-                <a:latin typeface="JetBrains Mono" panose="02000009000000000000" pitchFamily="49" charset="0"/>
-                <a:ea typeface="新宋体" panose="02010609030101010101" pitchFamily="49" charset="-122"/>
-                <a:cs typeface="JetBrains Mono" panose="02000009000000000000" pitchFamily="49" charset="0"/>
-              </a:rPr>
-              <a:t> = 0	;	</a:t>
-            </a:r>
-            <a:r>
-              <a:rPr lang="en-US" altLang="zh-CN" sz="1000" dirty="0">
-                <a:solidFill>
-                  <a:srgbClr val="008000"/>
-                </a:solidFill>
-                <a:latin typeface="JetBrains Mono" panose="02000009000000000000" pitchFamily="49" charset="0"/>
-                <a:ea typeface="新宋体" panose="02010609030101010101" pitchFamily="49" charset="-122"/>
-                <a:cs typeface="JetBrains Mono" panose="02000009000000000000" pitchFamily="49" charset="0"/>
-              </a:rPr>
-              <a:t>// Velocity, pixels per second.</a:t>
-            </a:r>
-            <a:endParaRPr lang="en-US" altLang="zh-CN" sz="1000" dirty="0">
-              <a:solidFill>
-                <a:srgbClr val="000000"/>
-              </a:solidFill>
-              <a:latin typeface="JetBrains Mono" panose="02000009000000000000" pitchFamily="49" charset="0"/>
-              <a:ea typeface="新宋体" panose="02010609030101010101" pitchFamily="49" charset="-122"/>
-              <a:cs typeface="JetBrains Mono" panose="02000009000000000000" pitchFamily="49" charset="0"/>
-            </a:endParaRPr>
-          </a:p>
-          <a:p>
-            <a:r>
-              <a:rPr lang="en-US" altLang="zh-CN" sz="1000" dirty="0" err="1">
-                <a:solidFill>
-                  <a:srgbClr val="2B91AF"/>
-                </a:solidFill>
-                <a:latin typeface="JetBrains Mono" panose="02000009000000000000" pitchFamily="49" charset="0"/>
-                <a:ea typeface="新宋体" panose="02010609030101010101" pitchFamily="49" charset="-122"/>
-                <a:cs typeface="JetBrains Mono" panose="02000009000000000000" pitchFamily="49" charset="0"/>
-              </a:rPr>
-              <a:t>HSV_t</a:t>
-            </a:r>
-            <a:r>
-              <a:rPr lang="en-US" altLang="zh-CN" sz="1000" dirty="0">
-                <a:solidFill>
-                  <a:srgbClr val="000000"/>
-                </a:solidFill>
-                <a:latin typeface="JetBrains Mono" panose="02000009000000000000" pitchFamily="49" charset="0"/>
-                <a:ea typeface="新宋体" panose="02010609030101010101" pitchFamily="49" charset="-122"/>
-                <a:cs typeface="JetBrains Mono" panose="02000009000000000000" pitchFamily="49" charset="0"/>
-              </a:rPr>
-              <a:t> </a:t>
-            </a:r>
-            <a:r>
-              <a:rPr lang="en-US" altLang="zh-CN" sz="1000" dirty="0" err="1">
-                <a:solidFill>
-                  <a:srgbClr val="000000"/>
-                </a:solidFill>
-                <a:latin typeface="JetBrains Mono" panose="02000009000000000000" pitchFamily="49" charset="0"/>
-                <a:ea typeface="新宋体" panose="02010609030101010101" pitchFamily="49" charset="-122"/>
-                <a:cs typeface="JetBrains Mono" panose="02000009000000000000" pitchFamily="49" charset="0"/>
-              </a:rPr>
-              <a:t>hsv</a:t>
-            </a:r>
-            <a:r>
-              <a:rPr lang="en-US" altLang="zh-CN" sz="1000" dirty="0">
-                <a:solidFill>
-                  <a:srgbClr val="000000"/>
-                </a:solidFill>
-                <a:latin typeface="JetBrains Mono" panose="02000009000000000000" pitchFamily="49" charset="0"/>
-                <a:ea typeface="新宋体" panose="02010609030101010101" pitchFamily="49" charset="-122"/>
-                <a:cs typeface="JetBrains Mono" panose="02000009000000000000" pitchFamily="49" charset="0"/>
-              </a:rPr>
-              <a:t> = { 0 };		</a:t>
-            </a:r>
-            <a:r>
-              <a:rPr lang="en-US" altLang="zh-CN" sz="1000" dirty="0">
-                <a:solidFill>
-                  <a:srgbClr val="008000"/>
-                </a:solidFill>
-                <a:latin typeface="JetBrains Mono" panose="02000009000000000000" pitchFamily="49" charset="0"/>
-                <a:ea typeface="新宋体" panose="02010609030101010101" pitchFamily="49" charset="-122"/>
-                <a:cs typeface="JetBrains Mono" panose="02000009000000000000" pitchFamily="49" charset="0"/>
-              </a:rPr>
-              <a:t>// Color in HSV color space</a:t>
-            </a:r>
-            <a:endParaRPr lang="en-US" altLang="zh-CN" sz="1000" dirty="0">
-              <a:solidFill>
-                <a:srgbClr val="000000"/>
-              </a:solidFill>
-              <a:latin typeface="JetBrains Mono" panose="02000009000000000000" pitchFamily="49" charset="0"/>
-              <a:ea typeface="新宋体" panose="02010609030101010101" pitchFamily="49" charset="-122"/>
-              <a:cs typeface="JetBrains Mono" panose="02000009000000000000" pitchFamily="49" charset="0"/>
-            </a:endParaRPr>
-          </a:p>
-          <a:p>
-            <a:r>
-              <a:rPr lang="en-GB" altLang="zh-CN" sz="1000" dirty="0">
-                <a:solidFill>
-                  <a:srgbClr val="0000FF"/>
-                </a:solidFill>
-                <a:latin typeface="JetBrains Mono" panose="02000009000000000000" pitchFamily="49" charset="0"/>
-                <a:ea typeface="新宋体" panose="02010609030101010101" pitchFamily="49" charset="-122"/>
-                <a:cs typeface="JetBrains Mono" panose="02000009000000000000" pitchFamily="49" charset="0"/>
-              </a:rPr>
-              <a:t>float</a:t>
-            </a:r>
-            <a:r>
-              <a:rPr lang="en-GB" altLang="zh-CN" sz="1000" dirty="0">
-                <a:solidFill>
-                  <a:srgbClr val="000000"/>
-                </a:solidFill>
-                <a:latin typeface="JetBrains Mono" panose="02000009000000000000" pitchFamily="49" charset="0"/>
-                <a:ea typeface="新宋体" panose="02010609030101010101" pitchFamily="49" charset="-122"/>
-                <a:cs typeface="JetBrains Mono" panose="02000009000000000000" pitchFamily="49" charset="0"/>
-              </a:rPr>
-              <a:t> </a:t>
-            </a:r>
-            <a:r>
-              <a:rPr lang="en-GB" altLang="zh-CN" sz="1000" dirty="0" err="1">
-                <a:solidFill>
-                  <a:srgbClr val="000000"/>
-                </a:solidFill>
-                <a:latin typeface="JetBrains Mono" panose="02000009000000000000" pitchFamily="49" charset="0"/>
-                <a:ea typeface="新宋体" panose="02010609030101010101" pitchFamily="49" charset="-122"/>
-                <a:cs typeface="JetBrains Mono" panose="02000009000000000000" pitchFamily="49" charset="0"/>
-              </a:rPr>
-              <a:t>luminanceFactor</a:t>
-            </a:r>
-            <a:r>
-              <a:rPr lang="en-GB" altLang="zh-CN" sz="1000" dirty="0">
-                <a:solidFill>
-                  <a:srgbClr val="000000"/>
-                </a:solidFill>
-                <a:latin typeface="JetBrains Mono" panose="02000009000000000000" pitchFamily="49" charset="0"/>
-                <a:ea typeface="新宋体" panose="02010609030101010101" pitchFamily="49" charset="-122"/>
-                <a:cs typeface="JetBrains Mono" panose="02000009000000000000" pitchFamily="49" charset="0"/>
-              </a:rPr>
-              <a:t> = 1.f;</a:t>
-            </a:r>
-            <a:r>
-              <a:rPr lang="en-GB" altLang="zh-CN" sz="1000" dirty="0">
-                <a:solidFill>
-                  <a:srgbClr val="008000"/>
-                </a:solidFill>
-                <a:latin typeface="JetBrains Mono" panose="02000009000000000000" pitchFamily="49" charset="0"/>
-                <a:ea typeface="新宋体" panose="02010609030101010101" pitchFamily="49" charset="-122"/>
-                <a:cs typeface="JetBrains Mono" panose="02000009000000000000" pitchFamily="49" charset="0"/>
-              </a:rPr>
-              <a:t>// Luminance exponential decay factor</a:t>
-            </a:r>
-            <a:endParaRPr lang="en-GB" altLang="zh-CN" sz="1000" dirty="0">
-              <a:solidFill>
-                <a:srgbClr val="000000"/>
-              </a:solidFill>
-              <a:latin typeface="JetBrains Mono" panose="02000009000000000000" pitchFamily="49" charset="0"/>
-              <a:ea typeface="新宋体" panose="02010609030101010101" pitchFamily="49" charset="-122"/>
-              <a:cs typeface="JetBrains Mono" panose="02000009000000000000" pitchFamily="49" charset="0"/>
-            </a:endParaRPr>
-          </a:p>
-          <a:p>
-            <a:r>
-              <a:rPr lang="fr-FR" altLang="zh-CN" sz="1000" dirty="0" err="1">
-                <a:solidFill>
-                  <a:srgbClr val="0000FF"/>
-                </a:solidFill>
-                <a:latin typeface="JetBrains Mono" panose="02000009000000000000" pitchFamily="49" charset="0"/>
-                <a:ea typeface="新宋体" panose="02010609030101010101" pitchFamily="49" charset="-122"/>
-                <a:cs typeface="JetBrains Mono" panose="02000009000000000000" pitchFamily="49" charset="0"/>
-              </a:rPr>
-              <a:t>float</a:t>
-            </a:r>
-            <a:r>
-              <a:rPr lang="fr-FR" altLang="zh-CN" sz="1000" dirty="0">
-                <a:solidFill>
-                  <a:srgbClr val="000000"/>
-                </a:solidFill>
-                <a:latin typeface="JetBrains Mono" panose="02000009000000000000" pitchFamily="49" charset="0"/>
-                <a:ea typeface="新宋体" panose="02010609030101010101" pitchFamily="49" charset="-122"/>
-                <a:cs typeface="JetBrains Mono" panose="02000009000000000000" pitchFamily="49" charset="0"/>
-              </a:rPr>
-              <a:t> alpha = 1.f;		</a:t>
-            </a:r>
-            <a:r>
-              <a:rPr lang="fr-FR" altLang="zh-CN" sz="1000" dirty="0">
-                <a:solidFill>
-                  <a:srgbClr val="008000"/>
-                </a:solidFill>
-                <a:latin typeface="JetBrains Mono" panose="02000009000000000000" pitchFamily="49" charset="0"/>
-                <a:ea typeface="新宋体" panose="02010609030101010101" pitchFamily="49" charset="-122"/>
-                <a:cs typeface="JetBrains Mono" panose="02000009000000000000" pitchFamily="49" charset="0"/>
-              </a:rPr>
-              <a:t>// Luminance</a:t>
-            </a:r>
-            <a:endParaRPr lang="fr-FR" altLang="zh-CN" sz="1000" dirty="0">
-              <a:solidFill>
-                <a:srgbClr val="000000"/>
-              </a:solidFill>
-              <a:latin typeface="JetBrains Mono" panose="02000009000000000000" pitchFamily="49" charset="0"/>
-              <a:ea typeface="新宋体" panose="02010609030101010101" pitchFamily="49" charset="-122"/>
-              <a:cs typeface="JetBrains Mono" panose="02000009000000000000" pitchFamily="49" charset="0"/>
-            </a:endParaRPr>
-          </a:p>
-          <a:p>
-            <a:r>
-              <a:rPr lang="en-US" altLang="zh-CN" sz="1000" dirty="0">
-                <a:solidFill>
-                  <a:srgbClr val="0000FF"/>
-                </a:solidFill>
-                <a:latin typeface="JetBrains Mono" panose="02000009000000000000" pitchFamily="49" charset="0"/>
-                <a:ea typeface="新宋体" panose="02010609030101010101" pitchFamily="49" charset="-122"/>
-                <a:cs typeface="JetBrains Mono" panose="02000009000000000000" pitchFamily="49" charset="0"/>
-              </a:rPr>
-              <a:t>int</a:t>
-            </a:r>
-            <a:r>
-              <a:rPr lang="en-US" altLang="zh-CN" sz="1000" dirty="0">
-                <a:solidFill>
-                  <a:srgbClr val="000000"/>
-                </a:solidFill>
-                <a:latin typeface="JetBrains Mono" panose="02000009000000000000" pitchFamily="49" charset="0"/>
-                <a:ea typeface="新宋体" panose="02010609030101010101" pitchFamily="49" charset="-122"/>
-                <a:cs typeface="JetBrains Mono" panose="02000009000000000000" pitchFamily="49" charset="0"/>
-              </a:rPr>
-              <a:t> </a:t>
-            </a:r>
-            <a:r>
-              <a:rPr lang="en-US" altLang="zh-CN" sz="1000" dirty="0" err="1">
-                <a:solidFill>
-                  <a:srgbClr val="000000"/>
-                </a:solidFill>
-                <a:latin typeface="JetBrains Mono" panose="02000009000000000000" pitchFamily="49" charset="0"/>
-                <a:ea typeface="新宋体" panose="02010609030101010101" pitchFamily="49" charset="-122"/>
-                <a:cs typeface="JetBrains Mono" panose="02000009000000000000" pitchFamily="49" charset="0"/>
-              </a:rPr>
-              <a:t>samplingNumber</a:t>
-            </a:r>
-            <a:r>
-              <a:rPr lang="en-US" altLang="zh-CN" sz="1000" dirty="0">
-                <a:solidFill>
-                  <a:srgbClr val="000000"/>
-                </a:solidFill>
-                <a:latin typeface="JetBrains Mono" panose="02000009000000000000" pitchFamily="49" charset="0"/>
-                <a:ea typeface="新宋体" panose="02010609030101010101" pitchFamily="49" charset="-122"/>
-                <a:cs typeface="JetBrains Mono" panose="02000009000000000000" pitchFamily="49" charset="0"/>
-              </a:rPr>
-              <a:t> = 12;	</a:t>
-            </a:r>
-            <a:r>
-              <a:rPr lang="en-US" altLang="zh-CN" sz="1000" dirty="0">
-                <a:solidFill>
-                  <a:srgbClr val="008000"/>
-                </a:solidFill>
-                <a:latin typeface="JetBrains Mono" panose="02000009000000000000" pitchFamily="49" charset="0"/>
-                <a:ea typeface="新宋体" panose="02010609030101010101" pitchFamily="49" charset="-122"/>
-                <a:cs typeface="JetBrains Mono" panose="02000009000000000000" pitchFamily="49" charset="0"/>
-              </a:rPr>
-              <a:t>// How many vertexes on the circle</a:t>
-            </a:r>
-            <a:endParaRPr lang="en-US" altLang="zh-CN" sz="1000" dirty="0">
-              <a:solidFill>
-                <a:srgbClr val="000000"/>
-              </a:solidFill>
-              <a:latin typeface="JetBrains Mono" panose="02000009000000000000" pitchFamily="49" charset="0"/>
-              <a:ea typeface="新宋体" panose="02010609030101010101" pitchFamily="49" charset="-122"/>
-              <a:cs typeface="JetBrains Mono" panose="02000009000000000000" pitchFamily="49" charset="0"/>
-            </a:endParaRPr>
-          </a:p>
-          <a:p>
-            <a:r>
-              <a:rPr lang="en-GB" altLang="zh-CN" sz="1000" dirty="0">
-                <a:solidFill>
-                  <a:srgbClr val="0000FF"/>
-                </a:solidFill>
-                <a:latin typeface="JetBrains Mono" panose="02000009000000000000" pitchFamily="49" charset="0"/>
-                <a:ea typeface="新宋体" panose="02010609030101010101" pitchFamily="49" charset="-122"/>
-                <a:cs typeface="JetBrains Mono" panose="02000009000000000000" pitchFamily="49" charset="0"/>
-              </a:rPr>
-              <a:t>bool</a:t>
-            </a:r>
-            <a:r>
-              <a:rPr lang="en-GB" altLang="zh-CN" sz="1000" dirty="0">
-                <a:solidFill>
-                  <a:srgbClr val="000000"/>
-                </a:solidFill>
-                <a:latin typeface="JetBrains Mono" panose="02000009000000000000" pitchFamily="49" charset="0"/>
-                <a:ea typeface="新宋体" panose="02010609030101010101" pitchFamily="49" charset="-122"/>
-                <a:cs typeface="JetBrains Mono" panose="02000009000000000000" pitchFamily="49" charset="0"/>
-              </a:rPr>
-              <a:t> deleted = </a:t>
-            </a:r>
-            <a:r>
-              <a:rPr lang="en-GB" altLang="zh-CN" sz="1000" dirty="0">
-                <a:solidFill>
-                  <a:srgbClr val="0000FF"/>
-                </a:solidFill>
-                <a:latin typeface="JetBrains Mono" panose="02000009000000000000" pitchFamily="49" charset="0"/>
-                <a:ea typeface="新宋体" panose="02010609030101010101" pitchFamily="49" charset="-122"/>
-                <a:cs typeface="JetBrains Mono" panose="02000009000000000000" pitchFamily="49" charset="0"/>
-              </a:rPr>
-              <a:t>false</a:t>
-            </a:r>
-            <a:r>
-              <a:rPr lang="en-GB" altLang="zh-CN" sz="1000" dirty="0">
-                <a:solidFill>
-                  <a:srgbClr val="000000"/>
-                </a:solidFill>
-                <a:latin typeface="JetBrains Mono" panose="02000009000000000000" pitchFamily="49" charset="0"/>
-                <a:ea typeface="新宋体" panose="02010609030101010101" pitchFamily="49" charset="-122"/>
-                <a:cs typeface="JetBrains Mono" panose="02000009000000000000" pitchFamily="49" charset="0"/>
-              </a:rPr>
-              <a:t>;	</a:t>
-            </a:r>
-            <a:r>
-              <a:rPr lang="en-GB" altLang="zh-CN" sz="1000" dirty="0">
-                <a:solidFill>
-                  <a:srgbClr val="008000"/>
-                </a:solidFill>
-                <a:latin typeface="JetBrains Mono" panose="02000009000000000000" pitchFamily="49" charset="0"/>
-                <a:ea typeface="新宋体" panose="02010609030101010101" pitchFamily="49" charset="-122"/>
-                <a:cs typeface="JetBrains Mono" panose="02000009000000000000" pitchFamily="49" charset="0"/>
-              </a:rPr>
-              <a:t>// Lazy delete flag</a:t>
-            </a:r>
-            <a:endParaRPr lang="en-GB" altLang="zh-CN" sz="1000" dirty="0">
-              <a:solidFill>
-                <a:srgbClr val="000000"/>
-              </a:solidFill>
-              <a:latin typeface="JetBrains Mono" panose="02000009000000000000" pitchFamily="49" charset="0"/>
-              <a:ea typeface="新宋体" panose="02010609030101010101" pitchFamily="49" charset="-122"/>
-              <a:cs typeface="JetBrains Mono" panose="02000009000000000000" pitchFamily="49" charset="0"/>
-            </a:endParaRPr>
-          </a:p>
-          <a:p>
-            <a:r>
-              <a:rPr lang="en-US" altLang="zh-CN" sz="1000" dirty="0">
-                <a:solidFill>
-                  <a:srgbClr val="008000"/>
-                </a:solidFill>
-                <a:latin typeface="JetBrains Mono" panose="02000009000000000000" pitchFamily="49" charset="0"/>
-                <a:ea typeface="新宋体" panose="02010609030101010101" pitchFamily="49" charset="-122"/>
-                <a:cs typeface="JetBrains Mono" panose="02000009000000000000" pitchFamily="49" charset="0"/>
-              </a:rPr>
-              <a:t>// Color for matrix of balls.</a:t>
-            </a:r>
-          </a:p>
-          <a:p>
-            <a:r>
-              <a:rPr lang="en-GB" altLang="zh-CN" sz="1000" dirty="0" err="1">
-                <a:solidFill>
-                  <a:srgbClr val="2B91AF"/>
-                </a:solidFill>
-                <a:latin typeface="JetBrains Mono" panose="02000009000000000000" pitchFamily="49" charset="0"/>
-                <a:ea typeface="新宋体" panose="02010609030101010101" pitchFamily="49" charset="-122"/>
-                <a:cs typeface="JetBrains Mono" panose="02000009000000000000" pitchFamily="49" charset="0"/>
-              </a:rPr>
-              <a:t>HSV_t</a:t>
-            </a:r>
-            <a:r>
-              <a:rPr lang="en-GB" altLang="zh-CN" sz="1000" dirty="0">
-                <a:solidFill>
-                  <a:srgbClr val="000000"/>
-                </a:solidFill>
-                <a:latin typeface="JetBrains Mono" panose="02000009000000000000" pitchFamily="49" charset="0"/>
-                <a:ea typeface="新宋体" panose="02010609030101010101" pitchFamily="49" charset="-122"/>
-                <a:cs typeface="JetBrains Mono" panose="02000009000000000000" pitchFamily="49" charset="0"/>
-              </a:rPr>
-              <a:t> </a:t>
-            </a:r>
-            <a:r>
-              <a:rPr lang="en-GB" altLang="zh-CN" sz="1000" dirty="0" err="1">
-                <a:solidFill>
-                  <a:srgbClr val="000000"/>
-                </a:solidFill>
-                <a:latin typeface="JetBrains Mono" panose="02000009000000000000" pitchFamily="49" charset="0"/>
-                <a:ea typeface="新宋体" panose="02010609030101010101" pitchFamily="49" charset="-122"/>
-                <a:cs typeface="JetBrains Mono" panose="02000009000000000000" pitchFamily="49" charset="0"/>
-              </a:rPr>
-              <a:t>positiveColor</a:t>
-            </a:r>
-            <a:r>
-              <a:rPr lang="en-GB" altLang="zh-CN" sz="1000" dirty="0">
-                <a:solidFill>
-                  <a:srgbClr val="000000"/>
-                </a:solidFill>
-                <a:latin typeface="JetBrains Mono" panose="02000009000000000000" pitchFamily="49" charset="0"/>
-                <a:ea typeface="新宋体" panose="02010609030101010101" pitchFamily="49" charset="-122"/>
-                <a:cs typeface="JetBrains Mono" panose="02000009000000000000" pitchFamily="49" charset="0"/>
-              </a:rPr>
-              <a:t> = { 35.f, 1.f, 1.f }, </a:t>
-            </a:r>
-          </a:p>
-          <a:p>
-            <a:r>
-              <a:rPr lang="en-GB" altLang="zh-CN" sz="1000" dirty="0">
-                <a:solidFill>
-                  <a:srgbClr val="000000"/>
-                </a:solidFill>
-                <a:latin typeface="JetBrains Mono" panose="02000009000000000000" pitchFamily="49" charset="0"/>
-                <a:ea typeface="新宋体" panose="02010609030101010101" pitchFamily="49" charset="-122"/>
-                <a:cs typeface="JetBrains Mono" panose="02000009000000000000" pitchFamily="49" charset="0"/>
-              </a:rPr>
-              <a:t>	</a:t>
-            </a:r>
-            <a:r>
-              <a:rPr lang="en-GB" altLang="zh-CN" sz="1000" dirty="0" err="1">
-                <a:solidFill>
-                  <a:srgbClr val="000000"/>
-                </a:solidFill>
-                <a:latin typeface="JetBrains Mono" panose="02000009000000000000" pitchFamily="49" charset="0"/>
-                <a:ea typeface="新宋体" panose="02010609030101010101" pitchFamily="49" charset="-122"/>
-                <a:cs typeface="JetBrains Mono" panose="02000009000000000000" pitchFamily="49" charset="0"/>
-              </a:rPr>
-              <a:t>negativeColor</a:t>
-            </a:r>
-            <a:r>
-              <a:rPr lang="en-GB" altLang="zh-CN" sz="1000" dirty="0">
-                <a:solidFill>
-                  <a:srgbClr val="000000"/>
-                </a:solidFill>
-                <a:latin typeface="JetBrains Mono" panose="02000009000000000000" pitchFamily="49" charset="0"/>
-                <a:ea typeface="新宋体" panose="02010609030101010101" pitchFamily="49" charset="-122"/>
-                <a:cs typeface="JetBrains Mono" panose="02000009000000000000" pitchFamily="49" charset="0"/>
-              </a:rPr>
-              <a:t> = { 285.f, 0.5f, 1.f };</a:t>
-            </a:r>
-          </a:p>
-          <a:p>
-            <a:r>
-              <a:rPr lang="en-GB" altLang="zh-CN" sz="1000" dirty="0">
-                <a:solidFill>
-                  <a:srgbClr val="0000FF"/>
-                </a:solidFill>
-                <a:latin typeface="JetBrains Mono" panose="02000009000000000000" pitchFamily="49" charset="0"/>
-                <a:ea typeface="新宋体" panose="02010609030101010101" pitchFamily="49" charset="-122"/>
-                <a:cs typeface="JetBrains Mono" panose="02000009000000000000" pitchFamily="49" charset="0"/>
-              </a:rPr>
-              <a:t>float</a:t>
-            </a:r>
-            <a:r>
-              <a:rPr lang="en-GB" altLang="zh-CN" sz="1000" dirty="0">
-                <a:solidFill>
-                  <a:srgbClr val="000000"/>
-                </a:solidFill>
-                <a:latin typeface="JetBrains Mono" panose="02000009000000000000" pitchFamily="49" charset="0"/>
-                <a:ea typeface="新宋体" panose="02010609030101010101" pitchFamily="49" charset="-122"/>
-                <a:cs typeface="JetBrains Mono" panose="02000009000000000000" pitchFamily="49" charset="0"/>
-              </a:rPr>
-              <a:t> weight = 0.f;</a:t>
-            </a:r>
-            <a:r>
-              <a:rPr lang="en-US" altLang="zh-CN" sz="1000" dirty="0">
-                <a:solidFill>
-                  <a:srgbClr val="008000"/>
-                </a:solidFill>
-                <a:latin typeface="JetBrains Mono" panose="02000009000000000000" pitchFamily="49" charset="0"/>
-                <a:ea typeface="新宋体" panose="02010609030101010101" pitchFamily="49" charset="-122"/>
-                <a:cs typeface="JetBrains Mono" panose="02000009000000000000" pitchFamily="49" charset="0"/>
-              </a:rPr>
-              <a:t>	// Weight value for matrix of balls.</a:t>
-            </a:r>
-            <a:endParaRPr lang="en-US" altLang="zh-CN" sz="1000" dirty="0">
-              <a:solidFill>
-                <a:srgbClr val="000000"/>
-              </a:solidFill>
-              <a:latin typeface="JetBrains Mono" panose="02000009000000000000" pitchFamily="49" charset="0"/>
-              <a:ea typeface="新宋体" panose="02010609030101010101" pitchFamily="49" charset="-122"/>
-              <a:cs typeface="JetBrains Mono" panose="02000009000000000000" pitchFamily="49" charset="0"/>
-            </a:endParaRPr>
-          </a:p>
-          <a:p>
-            <a:endParaRPr lang="zh-CN" altLang="en-US" sz="1000" dirty="0">
-              <a:solidFill>
-                <a:srgbClr val="000000"/>
-              </a:solidFill>
-              <a:latin typeface="JetBrains Mono" panose="02000009000000000000" pitchFamily="49" charset="0"/>
-              <a:ea typeface="新宋体" panose="02010609030101010101" pitchFamily="49" charset="-122"/>
-              <a:cs typeface="JetBrains Mono" panose="02000009000000000000" pitchFamily="49" charset="0"/>
-            </a:endParaRPr>
-          </a:p>
-          <a:p>
-            <a:r>
-              <a:rPr lang="da-DK" altLang="zh-CN" sz="1000" dirty="0">
-                <a:solidFill>
-                  <a:srgbClr val="0000FF"/>
-                </a:solidFill>
-                <a:latin typeface="JetBrains Mono" panose="02000009000000000000" pitchFamily="49" charset="0"/>
-                <a:ea typeface="新宋体" panose="02010609030101010101" pitchFamily="49" charset="-122"/>
-                <a:cs typeface="JetBrains Mono" panose="02000009000000000000" pitchFamily="49" charset="0"/>
-              </a:rPr>
-              <a:t>void</a:t>
-            </a:r>
-            <a:r>
-              <a:rPr lang="da-DK" altLang="zh-CN" sz="1000" dirty="0">
-                <a:solidFill>
-                  <a:srgbClr val="000000"/>
-                </a:solidFill>
-                <a:latin typeface="JetBrains Mono" panose="02000009000000000000" pitchFamily="49" charset="0"/>
-                <a:ea typeface="新宋体" panose="02010609030101010101" pitchFamily="49" charset="-122"/>
-                <a:cs typeface="JetBrains Mono" panose="02000009000000000000" pitchFamily="49" charset="0"/>
-              </a:rPr>
-              <a:t> setCenter(</a:t>
-            </a:r>
-            <a:r>
-              <a:rPr lang="da-DK" altLang="zh-CN" sz="1000" dirty="0">
-                <a:solidFill>
-                  <a:srgbClr val="0000FF"/>
-                </a:solidFill>
-                <a:latin typeface="JetBrains Mono" panose="02000009000000000000" pitchFamily="49" charset="0"/>
-                <a:ea typeface="新宋体" panose="02010609030101010101" pitchFamily="49" charset="-122"/>
-                <a:cs typeface="JetBrains Mono" panose="02000009000000000000" pitchFamily="49" charset="0"/>
-              </a:rPr>
-              <a:t>float</a:t>
-            </a:r>
-            <a:r>
-              <a:rPr lang="da-DK" altLang="zh-CN" sz="1000" dirty="0">
-                <a:solidFill>
-                  <a:srgbClr val="000000"/>
-                </a:solidFill>
-                <a:latin typeface="JetBrains Mono" panose="02000009000000000000" pitchFamily="49" charset="0"/>
-                <a:ea typeface="新宋体" panose="02010609030101010101" pitchFamily="49" charset="-122"/>
-                <a:cs typeface="JetBrains Mono" panose="02000009000000000000" pitchFamily="49" charset="0"/>
-              </a:rPr>
-              <a:t> </a:t>
-            </a:r>
-            <a:r>
-              <a:rPr lang="da-DK" altLang="zh-CN" sz="1000" dirty="0">
-                <a:solidFill>
-                  <a:srgbClr val="808080"/>
-                </a:solidFill>
-                <a:latin typeface="JetBrains Mono" panose="02000009000000000000" pitchFamily="49" charset="0"/>
-                <a:ea typeface="新宋体" panose="02010609030101010101" pitchFamily="49" charset="-122"/>
-                <a:cs typeface="JetBrains Mono" panose="02000009000000000000" pitchFamily="49" charset="0"/>
-              </a:rPr>
-              <a:t>cx</a:t>
-            </a:r>
-            <a:r>
-              <a:rPr lang="da-DK" altLang="zh-CN" sz="1000" dirty="0">
-                <a:solidFill>
-                  <a:srgbClr val="000000"/>
-                </a:solidFill>
-                <a:latin typeface="JetBrains Mono" panose="02000009000000000000" pitchFamily="49" charset="0"/>
-                <a:ea typeface="新宋体" panose="02010609030101010101" pitchFamily="49" charset="-122"/>
-                <a:cs typeface="JetBrains Mono" panose="02000009000000000000" pitchFamily="49" charset="0"/>
-              </a:rPr>
-              <a:t>, </a:t>
-            </a:r>
-            <a:r>
-              <a:rPr lang="da-DK" altLang="zh-CN" sz="1000" dirty="0">
-                <a:solidFill>
-                  <a:srgbClr val="0000FF"/>
-                </a:solidFill>
-                <a:latin typeface="JetBrains Mono" panose="02000009000000000000" pitchFamily="49" charset="0"/>
-                <a:ea typeface="新宋体" panose="02010609030101010101" pitchFamily="49" charset="-122"/>
-                <a:cs typeface="JetBrains Mono" panose="02000009000000000000" pitchFamily="49" charset="0"/>
-              </a:rPr>
-              <a:t>float</a:t>
-            </a:r>
-            <a:r>
-              <a:rPr lang="da-DK" altLang="zh-CN" sz="1000" dirty="0">
-                <a:solidFill>
-                  <a:srgbClr val="000000"/>
-                </a:solidFill>
-                <a:latin typeface="JetBrains Mono" panose="02000009000000000000" pitchFamily="49" charset="0"/>
-                <a:ea typeface="新宋体" panose="02010609030101010101" pitchFamily="49" charset="-122"/>
-                <a:cs typeface="JetBrains Mono" panose="02000009000000000000" pitchFamily="49" charset="0"/>
-              </a:rPr>
-              <a:t> </a:t>
-            </a:r>
-            <a:r>
-              <a:rPr lang="da-DK" altLang="zh-CN" sz="1000" dirty="0">
-                <a:solidFill>
-                  <a:srgbClr val="808080"/>
-                </a:solidFill>
-                <a:latin typeface="JetBrains Mono" panose="02000009000000000000" pitchFamily="49" charset="0"/>
-                <a:ea typeface="新宋体" panose="02010609030101010101" pitchFamily="49" charset="-122"/>
-                <a:cs typeface="JetBrains Mono" panose="02000009000000000000" pitchFamily="49" charset="0"/>
-              </a:rPr>
-              <a:t>cy</a:t>
-            </a:r>
-            <a:r>
-              <a:rPr lang="da-DK" altLang="zh-CN" sz="1000" dirty="0">
-                <a:solidFill>
-                  <a:srgbClr val="000000"/>
-                </a:solidFill>
-                <a:latin typeface="JetBrains Mono" panose="02000009000000000000" pitchFamily="49" charset="0"/>
-                <a:ea typeface="新宋体" panose="02010609030101010101" pitchFamily="49" charset="-122"/>
-                <a:cs typeface="JetBrains Mono" panose="02000009000000000000" pitchFamily="49" charset="0"/>
-              </a:rPr>
-              <a:t>);</a:t>
-            </a:r>
-          </a:p>
-          <a:p>
-            <a:r>
-              <a:rPr lang="en-GB" altLang="zh-CN" sz="1000" dirty="0">
-                <a:solidFill>
-                  <a:srgbClr val="0000FF"/>
-                </a:solidFill>
-                <a:latin typeface="JetBrains Mono" panose="02000009000000000000" pitchFamily="49" charset="0"/>
-                <a:ea typeface="新宋体" panose="02010609030101010101" pitchFamily="49" charset="-122"/>
-                <a:cs typeface="JetBrains Mono" panose="02000009000000000000" pitchFamily="49" charset="0"/>
-              </a:rPr>
-              <a:t>void</a:t>
-            </a:r>
-            <a:r>
-              <a:rPr lang="en-GB" altLang="zh-CN" sz="1000" dirty="0">
-                <a:solidFill>
-                  <a:srgbClr val="000000"/>
-                </a:solidFill>
-                <a:latin typeface="JetBrains Mono" panose="02000009000000000000" pitchFamily="49" charset="0"/>
-                <a:ea typeface="新宋体" panose="02010609030101010101" pitchFamily="49" charset="-122"/>
-                <a:cs typeface="JetBrains Mono" panose="02000009000000000000" pitchFamily="49" charset="0"/>
-              </a:rPr>
-              <a:t> </a:t>
-            </a:r>
-            <a:r>
-              <a:rPr lang="en-GB" altLang="zh-CN" sz="1000" dirty="0" err="1">
-                <a:solidFill>
-                  <a:srgbClr val="000000"/>
-                </a:solidFill>
-                <a:latin typeface="JetBrains Mono" panose="02000009000000000000" pitchFamily="49" charset="0"/>
-                <a:ea typeface="新宋体" panose="02010609030101010101" pitchFamily="49" charset="-122"/>
-                <a:cs typeface="JetBrains Mono" panose="02000009000000000000" pitchFamily="49" charset="0"/>
-              </a:rPr>
-              <a:t>setRadius</a:t>
-            </a:r>
-            <a:r>
-              <a:rPr lang="en-GB" altLang="zh-CN" sz="1000" dirty="0">
-                <a:solidFill>
-                  <a:srgbClr val="000000"/>
-                </a:solidFill>
-                <a:latin typeface="JetBrains Mono" panose="02000009000000000000" pitchFamily="49" charset="0"/>
-                <a:ea typeface="新宋体" panose="02010609030101010101" pitchFamily="49" charset="-122"/>
-                <a:cs typeface="JetBrains Mono" panose="02000009000000000000" pitchFamily="49" charset="0"/>
-              </a:rPr>
-              <a:t>(</a:t>
-            </a:r>
-            <a:r>
-              <a:rPr lang="en-GB" altLang="zh-CN" sz="1000" dirty="0">
-                <a:solidFill>
-                  <a:srgbClr val="0000FF"/>
-                </a:solidFill>
-                <a:latin typeface="JetBrains Mono" panose="02000009000000000000" pitchFamily="49" charset="0"/>
-                <a:ea typeface="新宋体" panose="02010609030101010101" pitchFamily="49" charset="-122"/>
-                <a:cs typeface="JetBrains Mono" panose="02000009000000000000" pitchFamily="49" charset="0"/>
-              </a:rPr>
-              <a:t>float</a:t>
-            </a:r>
-            <a:r>
-              <a:rPr lang="en-GB" altLang="zh-CN" sz="1000" dirty="0">
-                <a:solidFill>
-                  <a:srgbClr val="000000"/>
-                </a:solidFill>
-                <a:latin typeface="JetBrains Mono" panose="02000009000000000000" pitchFamily="49" charset="0"/>
-                <a:ea typeface="新宋体" panose="02010609030101010101" pitchFamily="49" charset="-122"/>
-                <a:cs typeface="JetBrains Mono" panose="02000009000000000000" pitchFamily="49" charset="0"/>
-              </a:rPr>
-              <a:t> </a:t>
-            </a:r>
-            <a:r>
-              <a:rPr lang="en-GB" altLang="zh-CN" sz="1000" dirty="0">
-                <a:solidFill>
-                  <a:srgbClr val="808080"/>
-                </a:solidFill>
-                <a:latin typeface="JetBrains Mono" panose="02000009000000000000" pitchFamily="49" charset="0"/>
-                <a:ea typeface="新宋体" panose="02010609030101010101" pitchFamily="49" charset="-122"/>
-                <a:cs typeface="JetBrains Mono" panose="02000009000000000000" pitchFamily="49" charset="0"/>
-              </a:rPr>
-              <a:t>radius</a:t>
-            </a:r>
-            <a:r>
-              <a:rPr lang="en-GB" altLang="zh-CN" sz="1000" dirty="0">
-                <a:solidFill>
-                  <a:srgbClr val="000000"/>
-                </a:solidFill>
-                <a:latin typeface="JetBrains Mono" panose="02000009000000000000" pitchFamily="49" charset="0"/>
-                <a:ea typeface="新宋体" panose="02010609030101010101" pitchFamily="49" charset="-122"/>
-                <a:cs typeface="JetBrains Mono" panose="02000009000000000000" pitchFamily="49" charset="0"/>
-              </a:rPr>
-              <a:t>);</a:t>
-            </a:r>
-          </a:p>
-          <a:p>
-            <a:r>
-              <a:rPr lang="en-US" altLang="zh-CN" sz="1000" dirty="0">
-                <a:solidFill>
-                  <a:srgbClr val="0000FF"/>
-                </a:solidFill>
-                <a:latin typeface="JetBrains Mono" panose="02000009000000000000" pitchFamily="49" charset="0"/>
-                <a:ea typeface="新宋体" panose="02010609030101010101" pitchFamily="49" charset="-122"/>
-                <a:cs typeface="JetBrains Mono" panose="02000009000000000000" pitchFamily="49" charset="0"/>
-              </a:rPr>
-              <a:t>void</a:t>
-            </a:r>
-            <a:r>
-              <a:rPr lang="en-US" altLang="zh-CN" sz="1000" dirty="0">
-                <a:solidFill>
-                  <a:srgbClr val="000000"/>
-                </a:solidFill>
-                <a:latin typeface="JetBrains Mono" panose="02000009000000000000" pitchFamily="49" charset="0"/>
-                <a:ea typeface="新宋体" panose="02010609030101010101" pitchFamily="49" charset="-122"/>
-                <a:cs typeface="JetBrains Mono" panose="02000009000000000000" pitchFamily="49" charset="0"/>
-              </a:rPr>
-              <a:t> </a:t>
-            </a:r>
-            <a:r>
-              <a:rPr lang="en-US" altLang="zh-CN" sz="1000" dirty="0" err="1">
-                <a:solidFill>
-                  <a:srgbClr val="000000"/>
-                </a:solidFill>
-                <a:latin typeface="JetBrains Mono" panose="02000009000000000000" pitchFamily="49" charset="0"/>
-                <a:ea typeface="新宋体" panose="02010609030101010101" pitchFamily="49" charset="-122"/>
-                <a:cs typeface="JetBrains Mono" panose="02000009000000000000" pitchFamily="49" charset="0"/>
-              </a:rPr>
-              <a:t>setColor</a:t>
-            </a:r>
-            <a:r>
-              <a:rPr lang="en-US" altLang="zh-CN" sz="1000" dirty="0">
-                <a:solidFill>
-                  <a:srgbClr val="000000"/>
-                </a:solidFill>
-                <a:latin typeface="JetBrains Mono" panose="02000009000000000000" pitchFamily="49" charset="0"/>
-                <a:ea typeface="新宋体" panose="02010609030101010101" pitchFamily="49" charset="-122"/>
-                <a:cs typeface="JetBrains Mono" panose="02000009000000000000" pitchFamily="49" charset="0"/>
-              </a:rPr>
-              <a:t>(</a:t>
-            </a:r>
-            <a:r>
-              <a:rPr lang="en-US" altLang="zh-CN" sz="1000" dirty="0">
-                <a:solidFill>
-                  <a:srgbClr val="0000FF"/>
-                </a:solidFill>
-                <a:latin typeface="JetBrains Mono" panose="02000009000000000000" pitchFamily="49" charset="0"/>
-                <a:ea typeface="新宋体" panose="02010609030101010101" pitchFamily="49" charset="-122"/>
-                <a:cs typeface="JetBrains Mono" panose="02000009000000000000" pitchFamily="49" charset="0"/>
-              </a:rPr>
-              <a:t>float</a:t>
-            </a:r>
-            <a:r>
-              <a:rPr lang="en-US" altLang="zh-CN" sz="1000" dirty="0">
-                <a:solidFill>
-                  <a:srgbClr val="000000"/>
-                </a:solidFill>
-                <a:latin typeface="JetBrains Mono" panose="02000009000000000000" pitchFamily="49" charset="0"/>
-                <a:ea typeface="新宋体" panose="02010609030101010101" pitchFamily="49" charset="-122"/>
-                <a:cs typeface="JetBrains Mono" panose="02000009000000000000" pitchFamily="49" charset="0"/>
-              </a:rPr>
-              <a:t> </a:t>
-            </a:r>
-            <a:r>
-              <a:rPr lang="en-US" altLang="zh-CN" sz="1000" dirty="0">
-                <a:solidFill>
-                  <a:srgbClr val="808080"/>
-                </a:solidFill>
-                <a:latin typeface="JetBrains Mono" panose="02000009000000000000" pitchFamily="49" charset="0"/>
-                <a:ea typeface="新宋体" panose="02010609030101010101" pitchFamily="49" charset="-122"/>
-                <a:cs typeface="JetBrains Mono" panose="02000009000000000000" pitchFamily="49" charset="0"/>
-              </a:rPr>
-              <a:t>h</a:t>
-            </a:r>
-            <a:r>
-              <a:rPr lang="en-US" altLang="zh-CN" sz="1000" dirty="0">
-                <a:solidFill>
-                  <a:srgbClr val="000000"/>
-                </a:solidFill>
-                <a:latin typeface="JetBrains Mono" panose="02000009000000000000" pitchFamily="49" charset="0"/>
-                <a:ea typeface="新宋体" panose="02010609030101010101" pitchFamily="49" charset="-122"/>
-                <a:cs typeface="JetBrains Mono" panose="02000009000000000000" pitchFamily="49" charset="0"/>
-              </a:rPr>
-              <a:t>, </a:t>
-            </a:r>
-            <a:r>
-              <a:rPr lang="en-US" altLang="zh-CN" sz="1000" dirty="0">
-                <a:solidFill>
-                  <a:srgbClr val="0000FF"/>
-                </a:solidFill>
-                <a:latin typeface="JetBrains Mono" panose="02000009000000000000" pitchFamily="49" charset="0"/>
-                <a:ea typeface="新宋体" panose="02010609030101010101" pitchFamily="49" charset="-122"/>
-                <a:cs typeface="JetBrains Mono" panose="02000009000000000000" pitchFamily="49" charset="0"/>
-              </a:rPr>
-              <a:t>float</a:t>
-            </a:r>
-            <a:r>
-              <a:rPr lang="en-US" altLang="zh-CN" sz="1000" dirty="0">
-                <a:solidFill>
-                  <a:srgbClr val="000000"/>
-                </a:solidFill>
-                <a:latin typeface="JetBrains Mono" panose="02000009000000000000" pitchFamily="49" charset="0"/>
-                <a:ea typeface="新宋体" panose="02010609030101010101" pitchFamily="49" charset="-122"/>
-                <a:cs typeface="JetBrains Mono" panose="02000009000000000000" pitchFamily="49" charset="0"/>
-              </a:rPr>
-              <a:t> </a:t>
-            </a:r>
-            <a:r>
-              <a:rPr lang="en-US" altLang="zh-CN" sz="1000" dirty="0">
-                <a:solidFill>
-                  <a:srgbClr val="808080"/>
-                </a:solidFill>
-                <a:latin typeface="JetBrains Mono" panose="02000009000000000000" pitchFamily="49" charset="0"/>
-                <a:ea typeface="新宋体" panose="02010609030101010101" pitchFamily="49" charset="-122"/>
-                <a:cs typeface="JetBrains Mono" panose="02000009000000000000" pitchFamily="49" charset="0"/>
-              </a:rPr>
-              <a:t>s</a:t>
-            </a:r>
-            <a:r>
-              <a:rPr lang="en-US" altLang="zh-CN" sz="1000" dirty="0">
-                <a:solidFill>
-                  <a:srgbClr val="000000"/>
-                </a:solidFill>
-                <a:latin typeface="JetBrains Mono" panose="02000009000000000000" pitchFamily="49" charset="0"/>
-                <a:ea typeface="新宋体" panose="02010609030101010101" pitchFamily="49" charset="-122"/>
-                <a:cs typeface="JetBrains Mono" panose="02000009000000000000" pitchFamily="49" charset="0"/>
-              </a:rPr>
-              <a:t>, </a:t>
-            </a:r>
-            <a:r>
-              <a:rPr lang="en-US" altLang="zh-CN" sz="1000" dirty="0">
-                <a:solidFill>
-                  <a:srgbClr val="0000FF"/>
-                </a:solidFill>
-                <a:latin typeface="JetBrains Mono" panose="02000009000000000000" pitchFamily="49" charset="0"/>
-                <a:ea typeface="新宋体" panose="02010609030101010101" pitchFamily="49" charset="-122"/>
-                <a:cs typeface="JetBrains Mono" panose="02000009000000000000" pitchFamily="49" charset="0"/>
-              </a:rPr>
-              <a:t>float</a:t>
-            </a:r>
-            <a:r>
-              <a:rPr lang="en-US" altLang="zh-CN" sz="1000" dirty="0">
-                <a:solidFill>
-                  <a:srgbClr val="000000"/>
-                </a:solidFill>
-                <a:latin typeface="JetBrains Mono" panose="02000009000000000000" pitchFamily="49" charset="0"/>
-                <a:ea typeface="新宋体" panose="02010609030101010101" pitchFamily="49" charset="-122"/>
-                <a:cs typeface="JetBrains Mono" panose="02000009000000000000" pitchFamily="49" charset="0"/>
-              </a:rPr>
-              <a:t> </a:t>
-            </a:r>
-            <a:r>
-              <a:rPr lang="en-US" altLang="zh-CN" sz="1000" dirty="0">
-                <a:solidFill>
-                  <a:srgbClr val="808080"/>
-                </a:solidFill>
-                <a:latin typeface="JetBrains Mono" panose="02000009000000000000" pitchFamily="49" charset="0"/>
-                <a:ea typeface="新宋体" panose="02010609030101010101" pitchFamily="49" charset="-122"/>
-                <a:cs typeface="JetBrains Mono" panose="02000009000000000000" pitchFamily="49" charset="0"/>
-              </a:rPr>
-              <a:t>v</a:t>
-            </a:r>
-            <a:r>
-              <a:rPr lang="en-US" altLang="zh-CN" sz="1000" dirty="0">
-                <a:solidFill>
-                  <a:srgbClr val="000000"/>
-                </a:solidFill>
-                <a:latin typeface="JetBrains Mono" panose="02000009000000000000" pitchFamily="49" charset="0"/>
-                <a:ea typeface="新宋体" panose="02010609030101010101" pitchFamily="49" charset="-122"/>
-                <a:cs typeface="JetBrains Mono" panose="02000009000000000000" pitchFamily="49" charset="0"/>
-              </a:rPr>
-              <a:t>);</a:t>
-            </a:r>
-          </a:p>
-          <a:p>
-            <a:r>
-              <a:rPr lang="en-GB" altLang="zh-CN" sz="1000" dirty="0">
-                <a:solidFill>
-                  <a:srgbClr val="0000FF"/>
-                </a:solidFill>
-                <a:latin typeface="JetBrains Mono" panose="02000009000000000000" pitchFamily="49" charset="0"/>
-                <a:ea typeface="新宋体" panose="02010609030101010101" pitchFamily="49" charset="-122"/>
-                <a:cs typeface="JetBrains Mono" panose="02000009000000000000" pitchFamily="49" charset="0"/>
-              </a:rPr>
-              <a:t>void</a:t>
-            </a:r>
-            <a:r>
-              <a:rPr lang="en-GB" altLang="zh-CN" sz="1000" dirty="0">
-                <a:solidFill>
-                  <a:srgbClr val="000000"/>
-                </a:solidFill>
-                <a:latin typeface="JetBrains Mono" panose="02000009000000000000" pitchFamily="49" charset="0"/>
-                <a:ea typeface="新宋体" panose="02010609030101010101" pitchFamily="49" charset="-122"/>
-                <a:cs typeface="JetBrains Mono" panose="02000009000000000000" pitchFamily="49" charset="0"/>
-              </a:rPr>
-              <a:t> </a:t>
-            </a:r>
-            <a:r>
-              <a:rPr lang="en-GB" altLang="zh-CN" sz="1000" dirty="0" err="1">
-                <a:solidFill>
-                  <a:srgbClr val="000000"/>
-                </a:solidFill>
-                <a:latin typeface="JetBrains Mono" panose="02000009000000000000" pitchFamily="49" charset="0"/>
-                <a:ea typeface="新宋体" panose="02010609030101010101" pitchFamily="49" charset="-122"/>
-                <a:cs typeface="JetBrains Mono" panose="02000009000000000000" pitchFamily="49" charset="0"/>
-              </a:rPr>
-              <a:t>setVelocity</a:t>
-            </a:r>
-            <a:r>
-              <a:rPr lang="en-GB" altLang="zh-CN" sz="1000" dirty="0">
-                <a:solidFill>
-                  <a:srgbClr val="000000"/>
-                </a:solidFill>
-                <a:latin typeface="JetBrains Mono" panose="02000009000000000000" pitchFamily="49" charset="0"/>
-                <a:ea typeface="新宋体" panose="02010609030101010101" pitchFamily="49" charset="-122"/>
-                <a:cs typeface="JetBrains Mono" panose="02000009000000000000" pitchFamily="49" charset="0"/>
-              </a:rPr>
-              <a:t>(</a:t>
-            </a:r>
-            <a:r>
-              <a:rPr lang="en-GB" altLang="zh-CN" sz="1000" dirty="0">
-                <a:solidFill>
-                  <a:srgbClr val="0000FF"/>
-                </a:solidFill>
-                <a:latin typeface="JetBrains Mono" panose="02000009000000000000" pitchFamily="49" charset="0"/>
-                <a:ea typeface="新宋体" panose="02010609030101010101" pitchFamily="49" charset="-122"/>
-                <a:cs typeface="JetBrains Mono" panose="02000009000000000000" pitchFamily="49" charset="0"/>
-              </a:rPr>
-              <a:t>float</a:t>
-            </a:r>
-            <a:r>
-              <a:rPr lang="en-GB" altLang="zh-CN" sz="1000" dirty="0">
-                <a:solidFill>
-                  <a:srgbClr val="000000"/>
-                </a:solidFill>
-                <a:latin typeface="JetBrains Mono" panose="02000009000000000000" pitchFamily="49" charset="0"/>
-                <a:ea typeface="新宋体" panose="02010609030101010101" pitchFamily="49" charset="-122"/>
-                <a:cs typeface="JetBrains Mono" panose="02000009000000000000" pitchFamily="49" charset="0"/>
-              </a:rPr>
-              <a:t> </a:t>
-            </a:r>
-            <a:r>
-              <a:rPr lang="en-GB" altLang="zh-CN" sz="1000" dirty="0" err="1">
-                <a:solidFill>
-                  <a:srgbClr val="808080"/>
-                </a:solidFill>
-                <a:latin typeface="JetBrains Mono" panose="02000009000000000000" pitchFamily="49" charset="0"/>
-                <a:ea typeface="新宋体" panose="02010609030101010101" pitchFamily="49" charset="-122"/>
-                <a:cs typeface="JetBrains Mono" panose="02000009000000000000" pitchFamily="49" charset="0"/>
-              </a:rPr>
-              <a:t>vx</a:t>
-            </a:r>
-            <a:r>
-              <a:rPr lang="en-GB" altLang="zh-CN" sz="1000" dirty="0">
-                <a:solidFill>
-                  <a:srgbClr val="000000"/>
-                </a:solidFill>
-                <a:latin typeface="JetBrains Mono" panose="02000009000000000000" pitchFamily="49" charset="0"/>
-                <a:ea typeface="新宋体" panose="02010609030101010101" pitchFamily="49" charset="-122"/>
-                <a:cs typeface="JetBrains Mono" panose="02000009000000000000" pitchFamily="49" charset="0"/>
-              </a:rPr>
-              <a:t>, </a:t>
-            </a:r>
-            <a:r>
-              <a:rPr lang="en-GB" altLang="zh-CN" sz="1000" dirty="0">
-                <a:solidFill>
-                  <a:srgbClr val="0000FF"/>
-                </a:solidFill>
-                <a:latin typeface="JetBrains Mono" panose="02000009000000000000" pitchFamily="49" charset="0"/>
-                <a:ea typeface="新宋体" panose="02010609030101010101" pitchFamily="49" charset="-122"/>
-                <a:cs typeface="JetBrains Mono" panose="02000009000000000000" pitchFamily="49" charset="0"/>
-              </a:rPr>
-              <a:t>float</a:t>
-            </a:r>
-            <a:r>
-              <a:rPr lang="en-GB" altLang="zh-CN" sz="1000" dirty="0">
-                <a:solidFill>
-                  <a:srgbClr val="000000"/>
-                </a:solidFill>
-                <a:latin typeface="JetBrains Mono" panose="02000009000000000000" pitchFamily="49" charset="0"/>
-                <a:ea typeface="新宋体" panose="02010609030101010101" pitchFamily="49" charset="-122"/>
-                <a:cs typeface="JetBrains Mono" panose="02000009000000000000" pitchFamily="49" charset="0"/>
-              </a:rPr>
-              <a:t> </a:t>
-            </a:r>
-            <a:r>
-              <a:rPr lang="en-GB" altLang="zh-CN" sz="1000" dirty="0" err="1">
-                <a:solidFill>
-                  <a:srgbClr val="808080"/>
-                </a:solidFill>
-                <a:latin typeface="JetBrains Mono" panose="02000009000000000000" pitchFamily="49" charset="0"/>
-                <a:ea typeface="新宋体" panose="02010609030101010101" pitchFamily="49" charset="-122"/>
-                <a:cs typeface="JetBrains Mono" panose="02000009000000000000" pitchFamily="49" charset="0"/>
-              </a:rPr>
-              <a:t>vy</a:t>
-            </a:r>
-            <a:r>
-              <a:rPr lang="en-GB" altLang="zh-CN" sz="1000" dirty="0">
-                <a:solidFill>
-                  <a:srgbClr val="000000"/>
-                </a:solidFill>
-                <a:latin typeface="JetBrains Mono" panose="02000009000000000000" pitchFamily="49" charset="0"/>
-                <a:ea typeface="新宋体" panose="02010609030101010101" pitchFamily="49" charset="-122"/>
-                <a:cs typeface="JetBrains Mono" panose="02000009000000000000" pitchFamily="49" charset="0"/>
-              </a:rPr>
-              <a:t>);</a:t>
-            </a:r>
-          </a:p>
-          <a:p>
-            <a:r>
-              <a:rPr lang="en-GB" altLang="zh-CN" sz="1000" dirty="0">
-                <a:solidFill>
-                  <a:srgbClr val="0000FF"/>
-                </a:solidFill>
-                <a:latin typeface="JetBrains Mono" panose="02000009000000000000" pitchFamily="49" charset="0"/>
-                <a:ea typeface="新宋体" panose="02010609030101010101" pitchFamily="49" charset="-122"/>
-                <a:cs typeface="JetBrains Mono" panose="02000009000000000000" pitchFamily="49" charset="0"/>
-              </a:rPr>
-              <a:t>void</a:t>
-            </a:r>
-            <a:r>
-              <a:rPr lang="en-GB" altLang="zh-CN" sz="1000" dirty="0">
-                <a:solidFill>
-                  <a:srgbClr val="000000"/>
-                </a:solidFill>
-                <a:latin typeface="JetBrains Mono" panose="02000009000000000000" pitchFamily="49" charset="0"/>
-                <a:ea typeface="新宋体" panose="02010609030101010101" pitchFamily="49" charset="-122"/>
-                <a:cs typeface="JetBrains Mono" panose="02000009000000000000" pitchFamily="49" charset="0"/>
-              </a:rPr>
-              <a:t> </a:t>
-            </a:r>
-            <a:r>
-              <a:rPr lang="en-GB" altLang="zh-CN" sz="1000" dirty="0" err="1">
-                <a:solidFill>
-                  <a:srgbClr val="000000"/>
-                </a:solidFill>
-                <a:latin typeface="JetBrains Mono" panose="02000009000000000000" pitchFamily="49" charset="0"/>
-                <a:ea typeface="新宋体" panose="02010609030101010101" pitchFamily="49" charset="-122"/>
-                <a:cs typeface="JetBrains Mono" panose="02000009000000000000" pitchFamily="49" charset="0"/>
-              </a:rPr>
-              <a:t>setLuminanceFactor</a:t>
-            </a:r>
-            <a:r>
-              <a:rPr lang="en-GB" altLang="zh-CN" sz="1000" dirty="0">
-                <a:solidFill>
-                  <a:srgbClr val="000000"/>
-                </a:solidFill>
-                <a:latin typeface="JetBrains Mono" panose="02000009000000000000" pitchFamily="49" charset="0"/>
-                <a:ea typeface="新宋体" panose="02010609030101010101" pitchFamily="49" charset="-122"/>
-                <a:cs typeface="JetBrains Mono" panose="02000009000000000000" pitchFamily="49" charset="0"/>
-              </a:rPr>
-              <a:t>(</a:t>
-            </a:r>
-            <a:r>
-              <a:rPr lang="en-GB" altLang="zh-CN" sz="1000" dirty="0">
-                <a:solidFill>
-                  <a:srgbClr val="0000FF"/>
-                </a:solidFill>
-                <a:latin typeface="JetBrains Mono" panose="02000009000000000000" pitchFamily="49" charset="0"/>
-                <a:ea typeface="新宋体" panose="02010609030101010101" pitchFamily="49" charset="-122"/>
-                <a:cs typeface="JetBrains Mono" panose="02000009000000000000" pitchFamily="49" charset="0"/>
-              </a:rPr>
-              <a:t>float</a:t>
-            </a:r>
-            <a:r>
-              <a:rPr lang="en-GB" altLang="zh-CN" sz="1000" dirty="0">
-                <a:solidFill>
-                  <a:srgbClr val="000000"/>
-                </a:solidFill>
-                <a:latin typeface="JetBrains Mono" panose="02000009000000000000" pitchFamily="49" charset="0"/>
-                <a:ea typeface="新宋体" panose="02010609030101010101" pitchFamily="49" charset="-122"/>
-                <a:cs typeface="JetBrains Mono" panose="02000009000000000000" pitchFamily="49" charset="0"/>
-              </a:rPr>
-              <a:t> </a:t>
-            </a:r>
-            <a:r>
-              <a:rPr lang="en-GB" altLang="zh-CN" sz="1000" dirty="0">
-                <a:solidFill>
-                  <a:srgbClr val="808080"/>
-                </a:solidFill>
-                <a:latin typeface="JetBrains Mono" panose="02000009000000000000" pitchFamily="49" charset="0"/>
-                <a:ea typeface="新宋体" panose="02010609030101010101" pitchFamily="49" charset="-122"/>
-                <a:cs typeface="JetBrains Mono" panose="02000009000000000000" pitchFamily="49" charset="0"/>
-              </a:rPr>
-              <a:t>factor</a:t>
-            </a:r>
-            <a:r>
-              <a:rPr lang="en-GB" altLang="zh-CN" sz="1000" dirty="0">
-                <a:solidFill>
-                  <a:srgbClr val="000000"/>
-                </a:solidFill>
-                <a:latin typeface="JetBrains Mono" panose="02000009000000000000" pitchFamily="49" charset="0"/>
-                <a:ea typeface="新宋体" panose="02010609030101010101" pitchFamily="49" charset="-122"/>
-                <a:cs typeface="JetBrains Mono" panose="02000009000000000000" pitchFamily="49" charset="0"/>
-              </a:rPr>
-              <a:t>);</a:t>
-            </a:r>
-          </a:p>
-          <a:p>
-            <a:r>
-              <a:rPr lang="en-GB" altLang="zh-CN" sz="1000" dirty="0">
-                <a:solidFill>
-                  <a:srgbClr val="0000FF"/>
-                </a:solidFill>
-                <a:latin typeface="JetBrains Mono" panose="02000009000000000000" pitchFamily="49" charset="0"/>
-                <a:ea typeface="新宋体" panose="02010609030101010101" pitchFamily="49" charset="-122"/>
-                <a:cs typeface="JetBrains Mono" panose="02000009000000000000" pitchFamily="49" charset="0"/>
-              </a:rPr>
-              <a:t>void</a:t>
-            </a:r>
-            <a:r>
-              <a:rPr lang="en-GB" altLang="zh-CN" sz="1000" dirty="0">
-                <a:solidFill>
-                  <a:srgbClr val="000000"/>
-                </a:solidFill>
-                <a:latin typeface="JetBrains Mono" panose="02000009000000000000" pitchFamily="49" charset="0"/>
-                <a:ea typeface="新宋体" panose="02010609030101010101" pitchFamily="49" charset="-122"/>
-                <a:cs typeface="JetBrains Mono" panose="02000009000000000000" pitchFamily="49" charset="0"/>
-              </a:rPr>
-              <a:t> </a:t>
-            </a:r>
-            <a:r>
-              <a:rPr lang="en-GB" altLang="zh-CN" sz="1000" dirty="0" err="1">
-                <a:solidFill>
-                  <a:srgbClr val="000000"/>
-                </a:solidFill>
-                <a:latin typeface="JetBrains Mono" panose="02000009000000000000" pitchFamily="49" charset="0"/>
-                <a:ea typeface="新宋体" panose="02010609030101010101" pitchFamily="49" charset="-122"/>
-                <a:cs typeface="JetBrains Mono" panose="02000009000000000000" pitchFamily="49" charset="0"/>
-              </a:rPr>
-              <a:t>nextState</a:t>
-            </a:r>
-            <a:r>
-              <a:rPr lang="en-GB" altLang="zh-CN" sz="1000" dirty="0">
-                <a:solidFill>
-                  <a:srgbClr val="000000"/>
-                </a:solidFill>
-                <a:latin typeface="JetBrains Mono" panose="02000009000000000000" pitchFamily="49" charset="0"/>
-                <a:ea typeface="新宋体" panose="02010609030101010101" pitchFamily="49" charset="-122"/>
-                <a:cs typeface="JetBrains Mono" panose="02000009000000000000" pitchFamily="49" charset="0"/>
-              </a:rPr>
-              <a:t>(</a:t>
-            </a:r>
-            <a:r>
-              <a:rPr lang="en-GB" altLang="zh-CN" sz="1000" dirty="0">
-                <a:solidFill>
-                  <a:srgbClr val="0000FF"/>
-                </a:solidFill>
-                <a:latin typeface="JetBrains Mono" panose="02000009000000000000" pitchFamily="49" charset="0"/>
-                <a:ea typeface="新宋体" panose="02010609030101010101" pitchFamily="49" charset="-122"/>
-                <a:cs typeface="JetBrains Mono" panose="02000009000000000000" pitchFamily="49" charset="0"/>
-              </a:rPr>
-              <a:t>void</a:t>
-            </a:r>
-            <a:r>
-              <a:rPr lang="en-GB" altLang="zh-CN" sz="1000" dirty="0">
-                <a:solidFill>
-                  <a:srgbClr val="000000"/>
-                </a:solidFill>
-                <a:latin typeface="JetBrains Mono" panose="02000009000000000000" pitchFamily="49" charset="0"/>
-                <a:ea typeface="新宋体" panose="02010609030101010101" pitchFamily="49" charset="-122"/>
-                <a:cs typeface="JetBrains Mono" panose="02000009000000000000" pitchFamily="49" charset="0"/>
-              </a:rPr>
-              <a:t>);</a:t>
-            </a:r>
-          </a:p>
-          <a:p>
-            <a:r>
-              <a:rPr lang="en-GB" altLang="zh-CN" sz="1000" dirty="0">
-                <a:solidFill>
-                  <a:srgbClr val="0000FF"/>
-                </a:solidFill>
-                <a:latin typeface="JetBrains Mono" panose="02000009000000000000" pitchFamily="49" charset="0"/>
-                <a:ea typeface="新宋体" panose="02010609030101010101" pitchFamily="49" charset="-122"/>
-                <a:cs typeface="JetBrains Mono" panose="02000009000000000000" pitchFamily="49" charset="0"/>
-              </a:rPr>
-              <a:t>void</a:t>
-            </a:r>
-            <a:r>
-              <a:rPr lang="en-GB" altLang="zh-CN" sz="1000" dirty="0">
-                <a:solidFill>
-                  <a:srgbClr val="000000"/>
-                </a:solidFill>
-                <a:latin typeface="JetBrains Mono" panose="02000009000000000000" pitchFamily="49" charset="0"/>
-                <a:ea typeface="新宋体" panose="02010609030101010101" pitchFamily="49" charset="-122"/>
-                <a:cs typeface="JetBrains Mono" panose="02000009000000000000" pitchFamily="49" charset="0"/>
-              </a:rPr>
-              <a:t> draw(</a:t>
-            </a:r>
-            <a:r>
-              <a:rPr lang="en-GB" altLang="zh-CN" sz="1000" dirty="0">
-                <a:solidFill>
-                  <a:srgbClr val="0000FF"/>
-                </a:solidFill>
-                <a:latin typeface="JetBrains Mono" panose="02000009000000000000" pitchFamily="49" charset="0"/>
-                <a:ea typeface="新宋体" panose="02010609030101010101" pitchFamily="49" charset="-122"/>
-                <a:cs typeface="JetBrains Mono" panose="02000009000000000000" pitchFamily="49" charset="0"/>
-              </a:rPr>
-              <a:t>void</a:t>
-            </a:r>
-            <a:r>
-              <a:rPr lang="en-GB" altLang="zh-CN" sz="1000" dirty="0">
-                <a:solidFill>
-                  <a:srgbClr val="000000"/>
-                </a:solidFill>
-                <a:latin typeface="JetBrains Mono" panose="02000009000000000000" pitchFamily="49" charset="0"/>
-                <a:ea typeface="新宋体" panose="02010609030101010101" pitchFamily="49" charset="-122"/>
-                <a:cs typeface="JetBrains Mono" panose="02000009000000000000" pitchFamily="49" charset="0"/>
-              </a:rPr>
-              <a:t>);</a:t>
-            </a:r>
-          </a:p>
-          <a:p>
-            <a:r>
-              <a:rPr lang="en-GB" altLang="zh-CN" sz="1000" dirty="0">
-                <a:solidFill>
-                  <a:srgbClr val="0000FF"/>
-                </a:solidFill>
-                <a:latin typeface="JetBrains Mono" panose="02000009000000000000" pitchFamily="49" charset="0"/>
-                <a:ea typeface="新宋体" panose="02010609030101010101" pitchFamily="49" charset="-122"/>
-                <a:cs typeface="JetBrains Mono" panose="02000009000000000000" pitchFamily="49" charset="0"/>
-              </a:rPr>
-              <a:t>void</a:t>
-            </a:r>
-            <a:r>
-              <a:rPr lang="en-GB" altLang="zh-CN" sz="1000" dirty="0">
-                <a:solidFill>
-                  <a:srgbClr val="000000"/>
-                </a:solidFill>
-                <a:latin typeface="JetBrains Mono" panose="02000009000000000000" pitchFamily="49" charset="0"/>
-                <a:ea typeface="新宋体" panose="02010609030101010101" pitchFamily="49" charset="-122"/>
-                <a:cs typeface="JetBrains Mono" panose="02000009000000000000" pitchFamily="49" charset="0"/>
-              </a:rPr>
-              <a:t> </a:t>
-            </a:r>
-            <a:r>
-              <a:rPr lang="en-GB" altLang="zh-CN" sz="1000" dirty="0" err="1">
-                <a:solidFill>
-                  <a:srgbClr val="000000"/>
-                </a:solidFill>
-                <a:latin typeface="JetBrains Mono" panose="02000009000000000000" pitchFamily="49" charset="0"/>
-                <a:ea typeface="新宋体" panose="02010609030101010101" pitchFamily="49" charset="-122"/>
-                <a:cs typeface="JetBrains Mono" panose="02000009000000000000" pitchFamily="49" charset="0"/>
-              </a:rPr>
-              <a:t>drawForMatrix</a:t>
-            </a:r>
-            <a:r>
-              <a:rPr lang="en-GB" altLang="zh-CN" sz="1000" dirty="0">
-                <a:solidFill>
-                  <a:srgbClr val="000000"/>
-                </a:solidFill>
-                <a:latin typeface="JetBrains Mono" panose="02000009000000000000" pitchFamily="49" charset="0"/>
-                <a:ea typeface="新宋体" panose="02010609030101010101" pitchFamily="49" charset="-122"/>
-                <a:cs typeface="JetBrains Mono" panose="02000009000000000000" pitchFamily="49" charset="0"/>
-              </a:rPr>
-              <a:t>(</a:t>
-            </a:r>
-            <a:r>
-              <a:rPr lang="en-GB" altLang="zh-CN" sz="1000" dirty="0">
-                <a:solidFill>
-                  <a:srgbClr val="0000FF"/>
-                </a:solidFill>
-                <a:latin typeface="JetBrains Mono" panose="02000009000000000000" pitchFamily="49" charset="0"/>
-                <a:ea typeface="新宋体" panose="02010609030101010101" pitchFamily="49" charset="-122"/>
-                <a:cs typeface="JetBrains Mono" panose="02000009000000000000" pitchFamily="49" charset="0"/>
-              </a:rPr>
-              <a:t>void</a:t>
-            </a:r>
-            <a:r>
-              <a:rPr lang="en-GB" altLang="zh-CN" sz="1000" dirty="0">
-                <a:solidFill>
-                  <a:srgbClr val="000000"/>
-                </a:solidFill>
-                <a:latin typeface="JetBrains Mono" panose="02000009000000000000" pitchFamily="49" charset="0"/>
-                <a:ea typeface="新宋体" panose="02010609030101010101" pitchFamily="49" charset="-122"/>
-                <a:cs typeface="JetBrains Mono" panose="02000009000000000000" pitchFamily="49" charset="0"/>
-              </a:rPr>
-              <a:t>);</a:t>
-            </a:r>
-          </a:p>
-          <a:p>
-            <a:r>
-              <a:rPr lang="en-US" altLang="zh-CN" sz="1000" dirty="0">
-                <a:solidFill>
-                  <a:srgbClr val="000000"/>
-                </a:solidFill>
-                <a:latin typeface="JetBrains Mono" panose="02000009000000000000" pitchFamily="49" charset="0"/>
-                <a:ea typeface="新宋体" panose="02010609030101010101" pitchFamily="49" charset="-122"/>
-                <a:cs typeface="JetBrains Mono" panose="02000009000000000000" pitchFamily="49" charset="0"/>
-              </a:rPr>
-              <a:t>};</a:t>
-            </a:r>
-          </a:p>
-        </p:txBody>
-      </p:sp>
-      <p:sp>
-        <p:nvSpPr>
-          <p:cNvPr id="5" name="内容占位符 2">
-            <a:extLst>
-              <a:ext uri="{FF2B5EF4-FFF2-40B4-BE49-F238E27FC236}">
-                <a16:creationId xmlns:a16="http://schemas.microsoft.com/office/drawing/2014/main" id="{8EEA8FFB-3060-4940-96C4-D9538FD6EB03}"/>
-              </a:ext>
-            </a:extLst>
-          </p:cNvPr>
-          <p:cNvSpPr txBox="1">
-            <a:spLocks/>
-          </p:cNvSpPr>
-          <p:nvPr/>
-        </p:nvSpPr>
-        <p:spPr>
-          <a:xfrm>
-            <a:off x="790263" y="871635"/>
-            <a:ext cx="5791200" cy="4863270"/>
-          </a:xfrm>
-          <a:prstGeom prst="rect">
-            <a:avLst/>
-          </a:prstGeom>
-        </p:spPr>
-        <p:txBody>
-          <a:bodyPr/>
-          <a:lstStyle>
-            <a:lvl1pPr marL="342900" indent="-342900" algn="l" defTabSz="914400" rtl="0" eaLnBrk="1" latinLnBrk="0" hangingPunct="1">
-              <a:spcBef>
-                <a:spcPct val="20000"/>
-              </a:spcBef>
-              <a:buFont typeface="Arial" pitchFamily="34" charset="0"/>
-              <a:buChar char="•"/>
-              <a:defRPr sz="3200" kern="1200">
-                <a:solidFill>
-                  <a:schemeClr val="tx1"/>
-                </a:solidFill>
-                <a:latin typeface="+mn-lt"/>
-                <a:ea typeface="+mn-ea"/>
-                <a:cs typeface="+mn-cs"/>
-              </a:defRPr>
-            </a:lvl1pPr>
-            <a:lvl2pPr marL="742950" indent="-285750" algn="l" defTabSz="914400" rtl="0" eaLnBrk="1" latinLnBrk="0" hangingPunct="1">
-              <a:spcBef>
-                <a:spcPct val="20000"/>
-              </a:spcBef>
-              <a:buFont typeface="Arial" pitchFamily="34" charset="0"/>
-              <a:buChar char="–"/>
-              <a:defRPr sz="2800" kern="1200">
-                <a:solidFill>
-                  <a:schemeClr val="tx1"/>
-                </a:solidFill>
-                <a:latin typeface="+mn-lt"/>
-                <a:ea typeface="+mn-ea"/>
-                <a:cs typeface="+mn-cs"/>
-              </a:defRPr>
-            </a:lvl2pPr>
-            <a:lvl3pPr marL="1143000" indent="-228600" algn="l" defTabSz="914400" rtl="0" eaLnBrk="1" latinLnBrk="0" hangingPunct="1">
-              <a:spcBef>
-                <a:spcPct val="20000"/>
-              </a:spcBef>
-              <a:buFont typeface="Arial" pitchFamily="34" charset="0"/>
-              <a:buChar char="•"/>
-              <a:defRPr sz="2400" kern="1200">
-                <a:solidFill>
-                  <a:schemeClr val="tx1"/>
-                </a:solidFill>
-                <a:latin typeface="+mn-lt"/>
-                <a:ea typeface="+mn-ea"/>
-                <a:cs typeface="+mn-cs"/>
-              </a:defRPr>
-            </a:lvl3pPr>
-            <a:lvl4pPr marL="1600200" indent="-228600" algn="l" defTabSz="914400" rtl="0" eaLnBrk="1" latinLnBrk="0" hangingPunct="1">
-              <a:spcBef>
-                <a:spcPct val="20000"/>
-              </a:spcBef>
-              <a:buFont typeface="Arial" pitchFamily="34" charset="0"/>
-              <a:buChar char="–"/>
-              <a:defRPr sz="2000" kern="1200">
-                <a:solidFill>
-                  <a:schemeClr val="tx1"/>
-                </a:solidFill>
-                <a:latin typeface="+mn-lt"/>
-                <a:ea typeface="+mn-ea"/>
-                <a:cs typeface="+mn-cs"/>
-              </a:defRPr>
-            </a:lvl4pPr>
-            <a:lvl5pPr marL="2057400" indent="-228600" algn="l" defTabSz="914400" rtl="0" eaLnBrk="1" latinLnBrk="0" hangingPunct="1">
-              <a:spcBef>
-                <a:spcPct val="20000"/>
-              </a:spcBef>
-              <a:buFont typeface="Arial" pitchFamily="34" charset="0"/>
-              <a:buChar char="»"/>
-              <a:defRPr sz="2000" kern="1200">
-                <a:solidFill>
-                  <a:schemeClr val="tx1"/>
-                </a:solidFill>
-                <a:latin typeface="+mn-lt"/>
-                <a:ea typeface="+mn-ea"/>
-                <a:cs typeface="+mn-cs"/>
-              </a:defRPr>
-            </a:lvl5pPr>
-            <a:lvl6pPr marL="2514600" indent="-228600" algn="l" defTabSz="914400" rtl="0" eaLnBrk="1" latinLnBrk="0" hangingPunct="1">
-              <a:spcBef>
-                <a:spcPct val="20000"/>
-              </a:spcBef>
-              <a:buFont typeface="Arial" pitchFamily="34" charset="0"/>
-              <a:buChar char="•"/>
-              <a:defRPr sz="2000" kern="1200">
-                <a:solidFill>
-                  <a:schemeClr val="tx1"/>
-                </a:solidFill>
-                <a:latin typeface="+mn-lt"/>
-                <a:ea typeface="+mn-ea"/>
-                <a:cs typeface="+mn-cs"/>
-              </a:defRPr>
-            </a:lvl6pPr>
-            <a:lvl7pPr marL="2971800" indent="-228600" algn="l" defTabSz="914400" rtl="0" eaLnBrk="1" latinLnBrk="0" hangingPunct="1">
-              <a:spcBef>
-                <a:spcPct val="20000"/>
-              </a:spcBef>
-              <a:buFont typeface="Arial" pitchFamily="34" charset="0"/>
-              <a:buChar char="•"/>
-              <a:defRPr sz="2000" kern="1200">
-                <a:solidFill>
-                  <a:schemeClr val="tx1"/>
-                </a:solidFill>
-                <a:latin typeface="+mn-lt"/>
-                <a:ea typeface="+mn-ea"/>
-                <a:cs typeface="+mn-cs"/>
-              </a:defRPr>
-            </a:lvl7pPr>
-            <a:lvl8pPr marL="3429000" indent="-228600" algn="l" defTabSz="914400" rtl="0" eaLnBrk="1" latinLnBrk="0" hangingPunct="1">
-              <a:spcBef>
-                <a:spcPct val="20000"/>
-              </a:spcBef>
-              <a:buFont typeface="Arial" pitchFamily="34" charset="0"/>
-              <a:buChar char="•"/>
-              <a:defRPr sz="2000" kern="1200">
-                <a:solidFill>
-                  <a:schemeClr val="tx1"/>
-                </a:solidFill>
-                <a:latin typeface="+mn-lt"/>
-                <a:ea typeface="+mn-ea"/>
-                <a:cs typeface="+mn-cs"/>
-              </a:defRPr>
-            </a:lvl8pPr>
-            <a:lvl9pPr marL="3886200" indent="-228600" algn="l" defTabSz="914400" rtl="0" eaLnBrk="1" latinLnBrk="0" hangingPunct="1">
-              <a:spcBef>
-                <a:spcPct val="20000"/>
-              </a:spcBef>
-              <a:buFont typeface="Arial" pitchFamily="34" charset="0"/>
-              <a:buChar char="•"/>
-              <a:defRPr sz="2000" kern="1200">
-                <a:solidFill>
-                  <a:schemeClr val="tx1"/>
-                </a:solidFill>
-                <a:latin typeface="+mn-lt"/>
-                <a:ea typeface="+mn-ea"/>
-                <a:cs typeface="+mn-cs"/>
-              </a:defRPr>
-            </a:lvl9pPr>
-          </a:lstStyle>
-          <a:p>
-            <a:pPr marL="0" indent="0" algn="just" eaLnBrk="1" hangingPunct="1">
-              <a:buNone/>
-            </a:pPr>
-            <a:r>
-              <a:rPr lang="en-US" altLang="zh-CN" sz="1800" b="1" dirty="0">
-                <a:solidFill>
-                  <a:srgbClr val="001830"/>
-                </a:solidFill>
-                <a:latin typeface="DIN" pitchFamily="50" charset="0"/>
-                <a:ea typeface="微软雅黑" pitchFamily="34" charset="-122"/>
-              </a:rPr>
-              <a:t>Introduction</a:t>
-            </a:r>
-            <a:endParaRPr lang="en-US" altLang="zh-CN" sz="1600" b="1" dirty="0">
-              <a:solidFill>
-                <a:srgbClr val="001830"/>
-              </a:solidFill>
-              <a:latin typeface="DIN" pitchFamily="50" charset="0"/>
-              <a:ea typeface="思源黑体 Light"/>
-            </a:endParaRPr>
-          </a:p>
-          <a:p>
-            <a:pPr marL="0" indent="0" algn="just" defTabSz="555138">
-              <a:lnSpc>
-                <a:spcPct val="114000"/>
-              </a:lnSpc>
-              <a:spcBef>
-                <a:spcPts val="600"/>
-              </a:spcBef>
-              <a:spcAft>
-                <a:spcPts val="600"/>
-              </a:spcAft>
-              <a:buNone/>
-              <a:defRPr/>
-            </a:pPr>
-            <a:r>
-              <a:rPr lang="en-US" altLang="zh-CN" sz="1200" dirty="0">
-                <a:solidFill>
-                  <a:srgbClr val="001830"/>
-                </a:solidFill>
-                <a:latin typeface="Arial" panose="020B0604020202020204" pitchFamily="34" charset="0"/>
-                <a:ea typeface="思源黑体 Light"/>
-                <a:cs typeface="Arial" panose="020B0604020202020204" pitchFamily="34" charset="0"/>
-              </a:rPr>
-              <a:t>CPT205 Assignment 1 is a two-dimensional modelling project, which requires a combination of the theoretical knowledge such as polygon, viewing, transformation, etc. learned in the first half of the semester and OpenGL and C++ programming skills. The goal of the assignment is to create a greeting card to celebrate the 15th anniversary of XJTLU using a combination of the above skills.</a:t>
-            </a:r>
-          </a:p>
-          <a:p>
-            <a:pPr marL="0" indent="0" algn="just" defTabSz="555138">
-              <a:lnSpc>
-                <a:spcPct val="114000"/>
-              </a:lnSpc>
-              <a:spcBef>
-                <a:spcPts val="600"/>
-              </a:spcBef>
-              <a:spcAft>
-                <a:spcPts val="600"/>
-              </a:spcAft>
-              <a:buNone/>
-              <a:defRPr/>
-            </a:pPr>
-            <a:r>
-              <a:rPr lang="en-US" altLang="zh-CN" sz="1200" dirty="0">
-                <a:solidFill>
-                  <a:srgbClr val="001830"/>
-                </a:solidFill>
-                <a:latin typeface="Arial" panose="020B0604020202020204" pitchFamily="34" charset="0"/>
-                <a:ea typeface="思源黑体 Light"/>
-                <a:cs typeface="Arial" panose="020B0604020202020204" pitchFamily="34" charset="0"/>
-              </a:rPr>
-              <a:t>There are four main elements in my design, which are:</a:t>
-            </a:r>
-          </a:p>
-          <a:p>
-            <a:pPr algn="just" defTabSz="555138">
-              <a:spcBef>
-                <a:spcPts val="0"/>
-              </a:spcBef>
-              <a:defRPr/>
-            </a:pPr>
-            <a:r>
-              <a:rPr lang="en-US" altLang="zh-CN" sz="1200" dirty="0">
-                <a:solidFill>
-                  <a:srgbClr val="001830"/>
-                </a:solidFill>
-                <a:latin typeface="Arial" panose="020B0604020202020204" pitchFamily="34" charset="0"/>
-                <a:ea typeface="思源黑体 Light"/>
-                <a:cs typeface="Arial" panose="020B0604020202020204" pitchFamily="34" charset="0"/>
-              </a:rPr>
-              <a:t>Balls</a:t>
-            </a:r>
-          </a:p>
-          <a:p>
-            <a:pPr algn="just" defTabSz="555138">
-              <a:spcBef>
-                <a:spcPts val="0"/>
-              </a:spcBef>
-              <a:defRPr/>
-            </a:pPr>
-            <a:r>
-              <a:rPr lang="en-US" altLang="zh-CN" sz="1200" dirty="0">
-                <a:solidFill>
-                  <a:srgbClr val="001830"/>
-                </a:solidFill>
-                <a:latin typeface="Arial" panose="020B0604020202020204" pitchFamily="34" charset="0"/>
-                <a:ea typeface="思源黑体 Light"/>
-                <a:cs typeface="Arial" panose="020B0604020202020204" pitchFamily="34" charset="0"/>
-              </a:rPr>
-              <a:t>Fireworks</a:t>
-            </a:r>
-          </a:p>
-          <a:p>
-            <a:pPr algn="just" defTabSz="555138">
-              <a:spcBef>
-                <a:spcPts val="0"/>
-              </a:spcBef>
-              <a:defRPr/>
-            </a:pPr>
-            <a:r>
-              <a:rPr lang="en-US" altLang="zh-CN" sz="1200" dirty="0">
-                <a:solidFill>
-                  <a:srgbClr val="001830"/>
-                </a:solidFill>
-                <a:latin typeface="Arial" panose="020B0604020202020204" pitchFamily="34" charset="0"/>
-                <a:ea typeface="思源黑体 Light"/>
-                <a:cs typeface="Arial" panose="020B0604020202020204" pitchFamily="34" charset="0"/>
-              </a:rPr>
-              <a:t>Ball Matrix</a:t>
-            </a:r>
-          </a:p>
-          <a:p>
-            <a:pPr algn="just" defTabSz="555138">
-              <a:spcBef>
-                <a:spcPts val="0"/>
-              </a:spcBef>
-              <a:defRPr/>
-            </a:pPr>
-            <a:r>
-              <a:rPr lang="en-US" altLang="zh-CN" sz="1200" dirty="0">
-                <a:solidFill>
-                  <a:srgbClr val="001830"/>
-                </a:solidFill>
-                <a:latin typeface="Arial" panose="020B0604020202020204" pitchFamily="34" charset="0"/>
-                <a:ea typeface="思源黑体 Light"/>
-                <a:cs typeface="Arial" panose="020B0604020202020204" pitchFamily="34" charset="0"/>
-              </a:rPr>
-              <a:t>Oscilloscopes</a:t>
-            </a:r>
-          </a:p>
-          <a:p>
-            <a:pPr marL="0" indent="0" algn="just" defTabSz="555138">
-              <a:lnSpc>
-                <a:spcPct val="114000"/>
-              </a:lnSpc>
-              <a:spcBef>
-                <a:spcPts val="600"/>
-              </a:spcBef>
-              <a:spcAft>
-                <a:spcPts val="600"/>
-              </a:spcAft>
-              <a:buNone/>
-              <a:defRPr/>
-            </a:pPr>
-            <a:r>
-              <a:rPr lang="en-US" altLang="zh-CN" sz="1200" dirty="0">
-                <a:solidFill>
-                  <a:srgbClr val="001830"/>
-                </a:solidFill>
-                <a:latin typeface="Arial" panose="020B0604020202020204" pitchFamily="34" charset="0"/>
-                <a:ea typeface="思源黑体 Light"/>
-                <a:cs typeface="Arial" panose="020B0604020202020204" pitchFamily="34" charset="0"/>
-              </a:rPr>
-              <a:t>Each element is encapsulated as an object. This report will then describe the design thinking and implementation of each element separately.</a:t>
-            </a:r>
-          </a:p>
-          <a:p>
-            <a:pPr marL="0" indent="0" algn="just" eaLnBrk="1" hangingPunct="1">
-              <a:buNone/>
-            </a:pPr>
-            <a:r>
-              <a:rPr lang="en-US" altLang="zh-CN" sz="1800" b="1" dirty="0">
-                <a:solidFill>
-                  <a:srgbClr val="001830"/>
-                </a:solidFill>
-                <a:latin typeface="DIN" pitchFamily="50" charset="0"/>
-                <a:ea typeface="微软雅黑" pitchFamily="34" charset="-122"/>
-              </a:rPr>
-              <a:t>Ball Object</a:t>
-            </a:r>
-            <a:endParaRPr lang="en-US" altLang="zh-CN" sz="1800" b="1" dirty="0">
-              <a:solidFill>
-                <a:srgbClr val="001830"/>
-              </a:solidFill>
-              <a:latin typeface="DIN" pitchFamily="50" charset="0"/>
-              <a:ea typeface="思源黑体 Light"/>
-            </a:endParaRPr>
-          </a:p>
-          <a:p>
-            <a:pPr marL="0" indent="0" algn="just" defTabSz="555138">
-              <a:lnSpc>
-                <a:spcPct val="114000"/>
-              </a:lnSpc>
-              <a:spcBef>
-                <a:spcPts val="600"/>
-              </a:spcBef>
-              <a:spcAft>
-                <a:spcPts val="600"/>
-              </a:spcAft>
-              <a:buNone/>
-              <a:defRPr/>
-            </a:pPr>
-            <a:r>
-              <a:rPr lang="en-US" altLang="zh-CN" sz="1200" dirty="0">
-                <a:solidFill>
-                  <a:srgbClr val="001830"/>
-                </a:solidFill>
-                <a:latin typeface="Arial" panose="020B0604020202020204" pitchFamily="34" charset="0"/>
-                <a:ea typeface="思源黑体 Light"/>
-                <a:cs typeface="Arial" panose="020B0604020202020204" pitchFamily="34" charset="0"/>
-              </a:rPr>
-              <a:t>Ball object is the basic unit of the more complex elements: fireworks and ball matrix. As needed, each ball has the following main properties:</a:t>
-            </a:r>
-          </a:p>
-          <a:p>
-            <a:pPr algn="just" defTabSz="555138">
-              <a:spcBef>
-                <a:spcPts val="0"/>
-              </a:spcBef>
-              <a:defRPr/>
-            </a:pPr>
-            <a:r>
-              <a:rPr lang="en-US" altLang="zh-CN" sz="1200" dirty="0">
-                <a:solidFill>
-                  <a:srgbClr val="001830"/>
-                </a:solidFill>
-                <a:latin typeface="Arial" panose="020B0604020202020204" pitchFamily="34" charset="0"/>
-                <a:ea typeface="思源黑体 Light"/>
-                <a:cs typeface="Arial" panose="020B0604020202020204" pitchFamily="34" charset="0"/>
-              </a:rPr>
-              <a:t>Center coordinate</a:t>
-            </a:r>
-          </a:p>
-          <a:p>
-            <a:pPr algn="just" defTabSz="555138">
-              <a:spcBef>
-                <a:spcPts val="0"/>
-              </a:spcBef>
-              <a:defRPr/>
-            </a:pPr>
-            <a:r>
-              <a:rPr lang="en-US" altLang="zh-CN" sz="1200" dirty="0">
-                <a:solidFill>
-                  <a:srgbClr val="001830"/>
-                </a:solidFill>
-                <a:latin typeface="Arial" panose="020B0604020202020204" pitchFamily="34" charset="0"/>
-                <a:ea typeface="思源黑体 Light"/>
-                <a:cs typeface="Arial" panose="020B0604020202020204" pitchFamily="34" charset="0"/>
-              </a:rPr>
-              <a:t>Radius</a:t>
-            </a:r>
-          </a:p>
-          <a:p>
-            <a:pPr algn="just" defTabSz="555138">
-              <a:spcBef>
-                <a:spcPts val="0"/>
-              </a:spcBef>
-              <a:defRPr/>
-            </a:pPr>
-            <a:r>
-              <a:rPr lang="en-US" altLang="zh-CN" sz="1200" dirty="0">
-                <a:solidFill>
-                  <a:srgbClr val="001830"/>
-                </a:solidFill>
-                <a:latin typeface="Arial" panose="020B0604020202020204" pitchFamily="34" charset="0"/>
-                <a:ea typeface="思源黑体 Light"/>
-                <a:cs typeface="Arial" panose="020B0604020202020204" pitchFamily="34" charset="0"/>
-              </a:rPr>
-              <a:t>Velocity (x and y direction)</a:t>
-            </a:r>
-          </a:p>
-          <a:p>
-            <a:pPr algn="just" defTabSz="555138">
-              <a:spcBef>
-                <a:spcPts val="0"/>
-              </a:spcBef>
-              <a:defRPr/>
-            </a:pPr>
-            <a:r>
-              <a:rPr lang="en-US" altLang="zh-CN" sz="1200" dirty="0">
-                <a:solidFill>
-                  <a:srgbClr val="001830"/>
-                </a:solidFill>
-                <a:latin typeface="Arial" panose="020B0604020202020204" pitchFamily="34" charset="0"/>
-                <a:ea typeface="思源黑体 Light"/>
-                <a:cs typeface="Arial" panose="020B0604020202020204" pitchFamily="34" charset="0"/>
-              </a:rPr>
-              <a:t>Color (in HSV color space)</a:t>
-            </a:r>
-          </a:p>
-          <a:p>
-            <a:pPr algn="just" defTabSz="555138">
-              <a:spcBef>
-                <a:spcPts val="0"/>
-              </a:spcBef>
-              <a:defRPr/>
-            </a:pPr>
-            <a:r>
-              <a:rPr lang="en-US" altLang="zh-CN" sz="1200" dirty="0">
-                <a:solidFill>
-                  <a:srgbClr val="001830"/>
-                </a:solidFill>
-                <a:latin typeface="Arial" panose="020B0604020202020204" pitchFamily="34" charset="0"/>
-                <a:ea typeface="思源黑体 Light"/>
-                <a:cs typeface="Arial" panose="020B0604020202020204" pitchFamily="34" charset="0"/>
-              </a:rPr>
-              <a:t>Luminance (opacity between 0 and 1)</a:t>
-            </a:r>
-          </a:p>
-          <a:p>
-            <a:pPr marL="0" indent="0" algn="just" defTabSz="555138">
-              <a:lnSpc>
-                <a:spcPct val="114000"/>
-              </a:lnSpc>
-              <a:spcBef>
-                <a:spcPts val="600"/>
-              </a:spcBef>
-              <a:spcAft>
-                <a:spcPts val="600"/>
-              </a:spcAft>
-              <a:buNone/>
-              <a:defRPr/>
-            </a:pPr>
-            <a:r>
-              <a:rPr lang="en-US" altLang="zh-CN" sz="1200" dirty="0">
-                <a:solidFill>
-                  <a:srgbClr val="001830"/>
-                </a:solidFill>
-                <a:latin typeface="Arial" panose="020B0604020202020204" pitchFamily="34" charset="0"/>
-                <a:ea typeface="思源黑体 Light"/>
-                <a:cs typeface="Arial" panose="020B0604020202020204" pitchFamily="34" charset="0"/>
-              </a:rPr>
-              <a:t>As needed, each ball has the following main properties:</a:t>
-            </a:r>
-          </a:p>
-          <a:p>
-            <a:pPr algn="just" defTabSz="555138">
-              <a:spcBef>
-                <a:spcPts val="0"/>
-              </a:spcBef>
-              <a:defRPr/>
-            </a:pPr>
-            <a:r>
-              <a:rPr lang="en-US" altLang="zh-CN" sz="1200" dirty="0">
-                <a:solidFill>
-                  <a:srgbClr val="001830"/>
-                </a:solidFill>
-                <a:latin typeface="Arial" panose="020B0604020202020204" pitchFamily="34" charset="0"/>
-                <a:ea typeface="思源黑体 Light"/>
-                <a:cs typeface="Arial" panose="020B0604020202020204" pitchFamily="34" charset="0"/>
-              </a:rPr>
-              <a:t>Center coordinate</a:t>
-            </a:r>
-          </a:p>
-          <a:p>
-            <a:pPr algn="just" defTabSz="555138">
-              <a:spcBef>
-                <a:spcPts val="0"/>
-              </a:spcBef>
-              <a:defRPr/>
-            </a:pPr>
-            <a:r>
-              <a:rPr lang="en-US" altLang="zh-CN" sz="1200" dirty="0">
-                <a:solidFill>
-                  <a:srgbClr val="001830"/>
-                </a:solidFill>
-                <a:latin typeface="Arial" panose="020B0604020202020204" pitchFamily="34" charset="0"/>
-                <a:ea typeface="思源黑体 Light"/>
-                <a:cs typeface="Arial" panose="020B0604020202020204" pitchFamily="34" charset="0"/>
-              </a:rPr>
-              <a:t>Radius</a:t>
-            </a:r>
-          </a:p>
-          <a:p>
-            <a:pPr algn="just" defTabSz="555138">
-              <a:spcBef>
-                <a:spcPts val="0"/>
-              </a:spcBef>
-              <a:defRPr/>
-            </a:pPr>
-            <a:r>
-              <a:rPr lang="en-US" altLang="zh-CN" sz="1200" dirty="0">
-                <a:solidFill>
-                  <a:srgbClr val="001830"/>
-                </a:solidFill>
-                <a:latin typeface="Arial" panose="020B0604020202020204" pitchFamily="34" charset="0"/>
-                <a:ea typeface="思源黑体 Light"/>
-                <a:cs typeface="Arial" panose="020B0604020202020204" pitchFamily="34" charset="0"/>
-              </a:rPr>
-              <a:t>Velocity (x and y direction)</a:t>
-            </a:r>
-          </a:p>
-          <a:p>
-            <a:pPr algn="just" defTabSz="555138">
-              <a:spcBef>
-                <a:spcPts val="0"/>
-              </a:spcBef>
-              <a:defRPr/>
-            </a:pPr>
-            <a:r>
-              <a:rPr lang="en-US" altLang="zh-CN" sz="1200" dirty="0">
-                <a:solidFill>
-                  <a:srgbClr val="001830"/>
-                </a:solidFill>
-                <a:latin typeface="Arial" panose="020B0604020202020204" pitchFamily="34" charset="0"/>
-                <a:ea typeface="思源黑体 Light"/>
-                <a:cs typeface="Arial" panose="020B0604020202020204" pitchFamily="34" charset="0"/>
-              </a:rPr>
-              <a:t>Color (in HSV color space)</a:t>
-            </a:r>
-          </a:p>
-          <a:p>
-            <a:pPr algn="just" defTabSz="555138">
-              <a:spcBef>
-                <a:spcPts val="0"/>
-              </a:spcBef>
-              <a:defRPr/>
-            </a:pPr>
-            <a:r>
-              <a:rPr lang="en-US" altLang="zh-CN" sz="1200" dirty="0">
-                <a:solidFill>
-                  <a:srgbClr val="001830"/>
-                </a:solidFill>
-                <a:latin typeface="Arial" panose="020B0604020202020204" pitchFamily="34" charset="0"/>
-                <a:ea typeface="思源黑体 Light"/>
-                <a:cs typeface="Arial" panose="020B0604020202020204" pitchFamily="34" charset="0"/>
-              </a:rPr>
-              <a:t>Luminance (opacity between 0 and 1)</a:t>
-            </a:r>
-          </a:p>
-          <a:p>
-            <a:pPr marL="0" indent="0" algn="just" defTabSz="555138">
-              <a:lnSpc>
-                <a:spcPct val="114000"/>
-              </a:lnSpc>
-              <a:spcBef>
-                <a:spcPts val="600"/>
-              </a:spcBef>
-              <a:spcAft>
-                <a:spcPts val="600"/>
-              </a:spcAft>
-              <a:buNone/>
-              <a:defRPr/>
-            </a:pPr>
-            <a:endParaRPr lang="en-US" altLang="zh-CN" sz="1200" dirty="0">
-              <a:solidFill>
-                <a:srgbClr val="001830"/>
-              </a:solidFill>
-              <a:latin typeface="Arial" panose="020B0604020202020204" pitchFamily="34" charset="0"/>
-              <a:ea typeface="思源黑体 Light"/>
-              <a:cs typeface="Arial" panose="020B0604020202020204" pitchFamily="34" charset="0"/>
-            </a:endParaRPr>
-          </a:p>
-          <a:p>
-            <a:pPr marL="0" indent="0" algn="just" defTabSz="555138">
-              <a:lnSpc>
-                <a:spcPct val="114000"/>
-              </a:lnSpc>
-              <a:spcBef>
-                <a:spcPts val="600"/>
-              </a:spcBef>
-              <a:spcAft>
-                <a:spcPts val="600"/>
-              </a:spcAft>
-              <a:buNone/>
-              <a:defRPr/>
-            </a:pPr>
-            <a:r>
-              <a:rPr lang="en-US" altLang="zh-CN" sz="1200" dirty="0">
-                <a:solidFill>
-                  <a:srgbClr val="001830"/>
-                </a:solidFill>
-                <a:latin typeface="Arial" panose="020B0604020202020204" pitchFamily="34" charset="0"/>
-                <a:ea typeface="思源黑体 Light"/>
-                <a:cs typeface="Arial" panose="020B0604020202020204" pitchFamily="34" charset="0"/>
-              </a:rPr>
-              <a:t>Test</a:t>
-            </a:r>
-            <a:endParaRPr lang="en-US" altLang="zh-CN" sz="1200" dirty="0">
-              <a:solidFill>
-                <a:srgbClr val="001830"/>
-              </a:solidFill>
-              <a:latin typeface="DIN" pitchFamily="50" charset="0"/>
-              <a:ea typeface="思源黑体 Light"/>
-            </a:endParaRPr>
-          </a:p>
-        </p:txBody>
-      </p:sp>
-    </p:spTree>
-    <p:extLst>
-      <p:ext uri="{BB962C8B-B14F-4D97-AF65-F5344CB8AC3E}">
-        <p14:creationId xmlns:p14="http://schemas.microsoft.com/office/powerpoint/2010/main" val="3079022885"/>
       </p:ext>
     </p:extLst>
   </p:cSld>
